--- a/presentations/intro.pptx
+++ b/presentations/intro.pptx
@@ -6,7 +6,7 @@
     <p:sldMasterId id="2147483806" r:id="rId5"/>
   </p:sldMasterIdLst>
   <p:notesMasterIdLst>
-    <p:notesMasterId r:id="rId29"/>
+    <p:notesMasterId r:id="rId30"/>
   </p:notesMasterIdLst>
   <p:sldIdLst>
     <p:sldId id="256" r:id="rId6"/>
@@ -26,12 +26,13 @@
     <p:sldId id="4526" r:id="rId20"/>
     <p:sldId id="4513" r:id="rId21"/>
     <p:sldId id="4532" r:id="rId22"/>
-    <p:sldId id="4516" r:id="rId23"/>
-    <p:sldId id="4527" r:id="rId24"/>
-    <p:sldId id="4528" r:id="rId25"/>
-    <p:sldId id="4529" r:id="rId26"/>
-    <p:sldId id="4530" r:id="rId27"/>
-    <p:sldId id="266" r:id="rId28"/>
+    <p:sldId id="4533" r:id="rId23"/>
+    <p:sldId id="4516" r:id="rId24"/>
+    <p:sldId id="4527" r:id="rId25"/>
+    <p:sldId id="4528" r:id="rId26"/>
+    <p:sldId id="4529" r:id="rId27"/>
+    <p:sldId id="4530" r:id="rId28"/>
+    <p:sldId id="266" r:id="rId29"/>
   </p:sldIdLst>
   <p:sldSz cx="12192000" cy="6858000"/>
   <p:notesSz cx="6858000" cy="9144000"/>
@@ -239,7 +240,7 @@
           <a:p>
             <a:fld id="{78B2772D-67CF-446E-AB14-873D70346968}" type="datetimeFigureOut">
               <a:rPr lang="en-GB" smtClean="0"/>
-              <a:t>11/02/2022</a:t>
+              <a:t>14/02/2022</a:t>
             </a:fld>
             <a:endParaRPr lang="en-GB"/>
           </a:p>
@@ -1169,7 +1170,7 @@
     </p:spTree>
     <p:extLst>
       <p:ext uri="{BB962C8B-B14F-4D97-AF65-F5344CB8AC3E}">
-        <p14:creationId xmlns:p14="http://schemas.microsoft.com/office/powerpoint/2010/main" val="1387115040"/>
+        <p14:creationId xmlns:p14="http://schemas.microsoft.com/office/powerpoint/2010/main" val="184053027"/>
       </p:ext>
     </p:extLst>
   </p:cSld>
@@ -1253,7 +1254,7 @@
     </p:spTree>
     <p:extLst>
       <p:ext uri="{BB962C8B-B14F-4D97-AF65-F5344CB8AC3E}">
-        <p14:creationId xmlns:p14="http://schemas.microsoft.com/office/powerpoint/2010/main" val="2325371893"/>
+        <p14:creationId xmlns:p14="http://schemas.microsoft.com/office/powerpoint/2010/main" val="1387115040"/>
       </p:ext>
     </p:extLst>
   </p:cSld>
@@ -1337,7 +1338,7 @@
     </p:spTree>
     <p:extLst>
       <p:ext uri="{BB962C8B-B14F-4D97-AF65-F5344CB8AC3E}">
-        <p14:creationId xmlns:p14="http://schemas.microsoft.com/office/powerpoint/2010/main" val="3078268641"/>
+        <p14:creationId xmlns:p14="http://schemas.microsoft.com/office/powerpoint/2010/main" val="2325371893"/>
       </p:ext>
     </p:extLst>
   </p:cSld>
@@ -1421,7 +1422,7 @@
     </p:spTree>
     <p:extLst>
       <p:ext uri="{BB962C8B-B14F-4D97-AF65-F5344CB8AC3E}">
-        <p14:creationId xmlns:p14="http://schemas.microsoft.com/office/powerpoint/2010/main" val="244553386"/>
+        <p14:creationId xmlns:p14="http://schemas.microsoft.com/office/powerpoint/2010/main" val="3078268641"/>
       </p:ext>
     </p:extLst>
   </p:cSld>
@@ -1581,6 +1582,90 @@
             <a:fld id="{89B4FF2C-5262-47ED-8A93-F0C639F12CB5}" type="slidenum">
               <a:rPr lang="en-GB" smtClean="0"/>
               <a:t>22</a:t>
+            </a:fld>
+            <a:endParaRPr lang="en-GB"/>
+          </a:p>
+        </p:txBody>
+      </p:sp>
+    </p:spTree>
+    <p:extLst>
+      <p:ext uri="{BB962C8B-B14F-4D97-AF65-F5344CB8AC3E}">
+        <p14:creationId xmlns:p14="http://schemas.microsoft.com/office/powerpoint/2010/main" val="244553386"/>
+      </p:ext>
+    </p:extLst>
+  </p:cSld>
+  <p:clrMapOvr>
+    <a:masterClrMapping/>
+  </p:clrMapOvr>
+</p:notes>
+</file>
+
+<file path=ppt/notesSlides/notesSlide21.xml><?xml version="1.0" encoding="utf-8"?>
+<p:notes xmlns:a="http://schemas.openxmlformats.org/drawingml/2006/main" xmlns:r="http://schemas.openxmlformats.org/officeDocument/2006/relationships" xmlns:p="http://schemas.openxmlformats.org/presentationml/2006/main">
+  <p:cSld>
+    <p:spTree>
+      <p:nvGrpSpPr>
+        <p:cNvPr id="1" name=""/>
+        <p:cNvGrpSpPr/>
+        <p:nvPr/>
+      </p:nvGrpSpPr>
+      <p:grpSpPr>
+        <a:xfrm>
+          <a:off x="0" y="0"/>
+          <a:ext cx="0" cy="0"/>
+          <a:chOff x="0" y="0"/>
+          <a:chExt cx="0" cy="0"/>
+        </a:xfrm>
+      </p:grpSpPr>
+      <p:sp>
+        <p:nvSpPr>
+          <p:cNvPr id="2" name="Slide Image Placeholder 1"/>
+          <p:cNvSpPr>
+            <a:spLocks noGrp="1" noRot="1" noChangeAspect="1"/>
+          </p:cNvSpPr>
+          <p:nvPr>
+            <p:ph type="sldImg"/>
+          </p:nvPr>
+        </p:nvSpPr>
+        <p:spPr/>
+      </p:sp>
+      <p:sp>
+        <p:nvSpPr>
+          <p:cNvPr id="3" name="Notes Placeholder 2"/>
+          <p:cNvSpPr>
+            <a:spLocks noGrp="1"/>
+          </p:cNvSpPr>
+          <p:nvPr>
+            <p:ph type="body" idx="1"/>
+          </p:nvPr>
+        </p:nvSpPr>
+        <p:spPr/>
+        <p:txBody>
+          <a:bodyPr/>
+          <a:lstStyle/>
+          <a:p>
+            <a:endParaRPr lang="en-GB" dirty="0"/>
+          </a:p>
+        </p:txBody>
+      </p:sp>
+      <p:sp>
+        <p:nvSpPr>
+          <p:cNvPr id="4" name="Slide Number Placeholder 3"/>
+          <p:cNvSpPr>
+            <a:spLocks noGrp="1"/>
+          </p:cNvSpPr>
+          <p:nvPr>
+            <p:ph type="sldNum" sz="quarter" idx="5"/>
+          </p:nvPr>
+        </p:nvSpPr>
+        <p:spPr/>
+        <p:txBody>
+          <a:bodyPr/>
+          <a:lstStyle/>
+          <a:p>
+            <a:fld id="{89B4FF2C-5262-47ED-8A93-F0C639F12CB5}" type="slidenum">
+              <a:rPr lang="en-GB" smtClean="0"/>
+              <a:t>23</a:t>
             </a:fld>
             <a:endParaRPr lang="en-GB"/>
           </a:p>
@@ -2590,7 +2675,7 @@
           <a:p>
             <a:fld id="{6C25FA03-981D-3F4F-ABFD-F2CAE44CF4DF}" type="datetime1">
               <a:rPr lang="en-GB" smtClean="0"/>
-              <a:t>11/02/2022</a:t>
+              <a:t>14/02/2022</a:t>
             </a:fld>
             <a:endParaRPr lang="en-GB"/>
           </a:p>
@@ -2910,7 +2995,7 @@
           <a:p>
             <a:fld id="{AD447513-F0D7-9140-9852-9A843D8B81D3}" type="datetime1">
               <a:rPr lang="en-GB" smtClean="0"/>
-              <a:t>11/02/2022</a:t>
+              <a:t>14/02/2022</a:t>
             </a:fld>
             <a:endParaRPr lang="en-GB"/>
           </a:p>
@@ -3323,7 +3408,7 @@
           <a:p>
             <a:fld id="{4FC983D9-AEB3-884A-8B61-40B359253CCD}" type="datetime1">
               <a:rPr lang="en-GB" smtClean="0"/>
-              <a:t>11/02/2022</a:t>
+              <a:t>14/02/2022</a:t>
             </a:fld>
             <a:endParaRPr lang="en-GB"/>
           </a:p>
@@ -4358,7 +4443,7 @@
           <a:p>
             <a:fld id="{862EF5BF-54FA-BF48-B61D-2432192EF666}" type="datetime1">
               <a:rPr lang="en-GB" smtClean="0"/>
-              <a:t>11/02/2022</a:t>
+              <a:t>14/02/2022</a:t>
             </a:fld>
             <a:endParaRPr lang="en-GB"/>
           </a:p>
@@ -7477,7 +7562,7 @@
           <a:p>
             <a:fld id="{08B972FC-9C63-1B41-803B-B958A5F6CE25}" type="datetime1">
               <a:rPr lang="en-GB" smtClean="0"/>
-              <a:t>11/02/2022</a:t>
+              <a:t>14/02/2022</a:t>
             </a:fld>
             <a:endParaRPr lang="en-GB"/>
           </a:p>
@@ -7605,7 +7690,7 @@
           <a:p>
             <a:fld id="{05210873-7FD8-1244-ABA1-499AC4AF712B}" type="datetime1">
               <a:rPr lang="en-GB" smtClean="0"/>
-              <a:t>11/02/2022</a:t>
+              <a:t>14/02/2022</a:t>
             </a:fld>
             <a:endParaRPr lang="en-GB"/>
           </a:p>
@@ -7835,7 +7920,7 @@
           <a:p>
             <a:fld id="{5075CE0D-163E-D54F-96AD-C92D6F353048}" type="datetime1">
               <a:rPr lang="en-GB" smtClean="0"/>
-              <a:t>11/02/2022</a:t>
+              <a:t>14/02/2022</a:t>
             </a:fld>
             <a:endParaRPr lang="en-GB"/>
           </a:p>
@@ -9054,7 +9139,7 @@
           </a:ln>
           <a:extLst>
             <a:ext uri="{C572A759-6A51-4108-AA02-DFA0A04FC94B}">
-              <ma14:wrappingTextBoxFlag xmlns:ma14="http://schemas.microsoft.com/office/mac/drawingml/2011/main" xmlns="" val="1"/>
+              <ma14:wrappingTextBoxFlag xmlns="" xmlns:ma14="http://schemas.microsoft.com/office/mac/drawingml/2011/main" val="1"/>
             </a:ext>
           </a:extLst>
         </p:spPr>
@@ -9251,7 +9336,7 @@
           </a:ln>
           <a:extLst>
             <a:ext uri="{C572A759-6A51-4108-AA02-DFA0A04FC94B}">
-              <ma14:wrappingTextBoxFlag xmlns:ma14="http://schemas.microsoft.com/office/mac/drawingml/2011/main" xmlns="" val="1"/>
+              <ma14:wrappingTextBoxFlag xmlns="" xmlns:ma14="http://schemas.microsoft.com/office/mac/drawingml/2011/main" val="1"/>
             </a:ext>
           </a:extLst>
         </p:spPr>
@@ -9514,7 +9599,7 @@
           </a:ln>
           <a:extLst>
             <a:ext uri="{C572A759-6A51-4108-AA02-DFA0A04FC94B}">
-              <ma14:wrappingTextBoxFlag xmlns:ma14="http://schemas.microsoft.com/office/mac/drawingml/2011/main" xmlns="" val="1"/>
+              <ma14:wrappingTextBoxFlag xmlns="" xmlns:ma14="http://schemas.microsoft.com/office/mac/drawingml/2011/main" val="1"/>
             </a:ext>
           </a:extLst>
         </p:spPr>
@@ -10535,7 +10620,7 @@
           <a:p>
             <a:fld id="{330677AC-4808-7844-8878-C4DC36017FAF}" type="datetime1">
               <a:rPr lang="en-GB" smtClean="0"/>
-              <a:t>11/02/2022</a:t>
+              <a:t>14/02/2022</a:t>
             </a:fld>
             <a:endParaRPr lang="en-GB"/>
           </a:p>
@@ -11062,7 +11147,7 @@
           <a:p>
             <a:fld id="{05A8478A-EDB8-3145-A182-C5ED532937CD}" type="datetime1">
               <a:rPr lang="en-GB" smtClean="0"/>
-              <a:t>11/02/2022</a:t>
+              <a:t>14/02/2022</a:t>
             </a:fld>
             <a:endParaRPr lang="en-GB"/>
           </a:p>
@@ -11440,7 +11525,7 @@
           <a:p>
             <a:fld id="{3A861D55-4B75-6148-B497-8307DFA79D9F}" type="datetime1">
               <a:rPr lang="en-GB" smtClean="0"/>
-              <a:t>11/02/2022</a:t>
+              <a:t>14/02/2022</a:t>
             </a:fld>
             <a:endParaRPr lang="en-GB"/>
           </a:p>
@@ -11758,7 +11843,7 @@
           <a:p>
             <a:fld id="{23E27BC6-0B0F-3C48-A90A-106E7F9DC3AC}" type="datetime1">
               <a:rPr lang="en-GB" smtClean="0"/>
-              <a:t>11/02/2022</a:t>
+              <a:t>14/02/2022</a:t>
             </a:fld>
             <a:endParaRPr lang="en-GB"/>
           </a:p>
@@ -12140,7 +12225,7 @@
           <a:p>
             <a:fld id="{52156CEE-F6CC-7B46-8301-E62F55883839}" type="datetime1">
               <a:rPr lang="en-GB" smtClean="0"/>
-              <a:t>11/02/2022</a:t>
+              <a:t>14/02/2022</a:t>
             </a:fld>
             <a:endParaRPr lang="en-GB"/>
           </a:p>
@@ -12522,7 +12607,7 @@
           <a:p>
             <a:fld id="{F44621EF-E3B6-AC44-B311-3F80F8F520D1}" type="datetime1">
               <a:rPr lang="en-GB" smtClean="0"/>
-              <a:t>11/02/2022</a:t>
+              <a:t>14/02/2022</a:t>
             </a:fld>
             <a:endParaRPr lang="en-GB"/>
           </a:p>
@@ -12904,7 +12989,7 @@
           <a:p>
             <a:fld id="{D97C8151-BC5D-0342-B9A9-219468AF0BB5}" type="datetime1">
               <a:rPr lang="en-GB" smtClean="0"/>
-              <a:t>11/02/2022</a:t>
+              <a:t>14/02/2022</a:t>
             </a:fld>
             <a:endParaRPr lang="en-GB"/>
           </a:p>
@@ -13237,7 +13322,7 @@
           <a:p>
             <a:fld id="{31D05CA0-F179-1E48-8911-D48A170F3146}" type="datetime1">
               <a:rPr lang="en-GB" smtClean="0"/>
-              <a:t>11/02/2022</a:t>
+              <a:t>14/02/2022</a:t>
             </a:fld>
             <a:endParaRPr lang="en-GB"/>
           </a:p>
@@ -16347,7 +16432,7 @@
           <a:p>
             <a:r>
               <a:rPr lang="en-GB" dirty="0"/>
-              <a:t>Version Control, Git and GitHub</a:t>
+              <a:t>Introduction</a:t>
             </a:r>
           </a:p>
         </p:txBody>
@@ -16570,7 +16655,7 @@
               <a:rPr lang="en-GB" sz="2800" spc="-75" dirty="0">
                 <a:latin typeface="Montserrat Light"/>
               </a:rPr>
-              <a:t>Timetable - Monday</a:t>
+              <a:t>An aside: Pairing</a:t>
             </a:r>
             <a:endParaRPr lang="en-GB" sz="2800" spc="-75" dirty="0">
               <a:latin typeface="Montserrat"/>
@@ -16601,7 +16686,7 @@
           <a:p>
             <a:r>
               <a:rPr lang="en-GB" dirty="0"/>
-              <a:t>Version Control, Git and GitHub</a:t>
+              <a:t>Introduction</a:t>
             </a:r>
           </a:p>
         </p:txBody>
@@ -16635,39 +16720,139 @@
           </a:p>
         </p:txBody>
       </p:sp>
-      <p:pic>
-        <p:nvPicPr>
-          <p:cNvPr id="7" name="Content Placeholder 6">
-            <a:extLst>
-              <a:ext uri="{FF2B5EF4-FFF2-40B4-BE49-F238E27FC236}">
-                <a16:creationId xmlns:a16="http://schemas.microsoft.com/office/drawing/2014/main" id="{C5195375-971E-429F-852E-A4127B0983E3}"/>
-              </a:ext>
-            </a:extLst>
-          </p:cNvPr>
-          <p:cNvPicPr>
-            <a:picLocks noGrp="1" noChangeAspect="1"/>
-          </p:cNvPicPr>
+      <p:sp>
+        <p:nvSpPr>
+          <p:cNvPr id="6" name="Content Placeholder 5">
+            <a:extLst>
+              <a:ext uri="{FF2B5EF4-FFF2-40B4-BE49-F238E27FC236}">
+                <a16:creationId xmlns:a16="http://schemas.microsoft.com/office/drawing/2014/main" id="{674F9F5A-1FDB-4C3B-A0B8-B3E6A19DC2F9}"/>
+              </a:ext>
+            </a:extLst>
+          </p:cNvPr>
+          <p:cNvSpPr>
+            <a:spLocks noGrp="1"/>
+          </p:cNvSpPr>
           <p:nvPr>
             <p:ph idx="1"/>
           </p:nvPr>
-        </p:nvPicPr>
-        <p:blipFill>
-          <a:blip r:embed="rId3"/>
-          <a:stretch>
-            <a:fillRect/>
-          </a:stretch>
-        </p:blipFill>
-        <p:spPr>
-          <a:xfrm>
-            <a:off x="1180882" y="1817244"/>
-            <a:ext cx="9981065" cy="4577207"/>
-          </a:xfrm>
-        </p:spPr>
-      </p:pic>
+        </p:nvSpPr>
+        <p:spPr/>
+        <p:txBody>
+          <a:bodyPr/>
+          <a:lstStyle/>
+          <a:p>
+            <a:pPr marL="285750" indent="-285750">
+              <a:buFont typeface="Arial" panose="020B0604020202020204" pitchFamily="34" charset="0"/>
+              <a:buChar char="•"/>
+            </a:pPr>
+            <a:r>
+              <a:rPr lang="en-GB" sz="1200" dirty="0"/>
+              <a:t>Pair programming, or “Pairing”, is an Agile software development technique where two developers work together on a problem</a:t>
+            </a:r>
+          </a:p>
+          <a:p>
+            <a:pPr marL="285750" indent="-285750">
+              <a:buFont typeface="Arial" panose="020B0604020202020204" pitchFamily="34" charset="0"/>
+              <a:buChar char="•"/>
+            </a:pPr>
+            <a:endParaRPr lang="en-GB" sz="1200" dirty="0"/>
+          </a:p>
+          <a:p>
+            <a:pPr marL="285750" indent="-285750">
+              <a:buFont typeface="Arial" panose="020B0604020202020204" pitchFamily="34" charset="0"/>
+              <a:buChar char="•"/>
+            </a:pPr>
+            <a:r>
+              <a:rPr lang="en-GB" sz="1200" dirty="0"/>
+              <a:t>Traditionally, this happens at the same computer screen, but in the era of remote working it also very commonly happens via video call and/or live share</a:t>
+            </a:r>
+          </a:p>
+          <a:p>
+            <a:pPr marL="285750" indent="-285750">
+              <a:buFont typeface="Arial" panose="020B0604020202020204" pitchFamily="34" charset="0"/>
+              <a:buChar char="•"/>
+            </a:pPr>
+            <a:endParaRPr lang="en-GB" sz="1200" dirty="0"/>
+          </a:p>
+          <a:p>
+            <a:pPr marL="285750" indent="-285750">
+              <a:buFont typeface="Arial" panose="020B0604020202020204" pitchFamily="34" charset="0"/>
+              <a:buChar char="•"/>
+            </a:pPr>
+            <a:r>
+              <a:rPr lang="en-GB" sz="1200" dirty="0"/>
+              <a:t>There are two roles:</a:t>
+            </a:r>
+          </a:p>
+          <a:p>
+            <a:pPr marL="819150" lvl="2" indent="-285750"/>
+            <a:r>
+              <a:rPr lang="en-GB" sz="1200" dirty="0"/>
+              <a:t>The “Driver”: writes the code and focuses closely with line-by-line detail</a:t>
+            </a:r>
+          </a:p>
+          <a:p>
+            <a:pPr marL="819150" lvl="2" indent="-285750"/>
+            <a:r>
+              <a:rPr lang="en-GB" sz="1200" dirty="0"/>
+              <a:t>The “Navigator”: reviews each line of code as it is typed in, and tries to keep in mind the overall direction of the work beyond the current line of code</a:t>
+            </a:r>
+          </a:p>
+          <a:p>
+            <a:pPr marL="819150" lvl="2" indent="-285750"/>
+            <a:endParaRPr lang="en-GB" sz="1200" dirty="0"/>
+          </a:p>
+          <a:p>
+            <a:pPr marL="285750" indent="-285750">
+              <a:buFont typeface="Arial" panose="020B0604020202020204" pitchFamily="34" charset="0"/>
+              <a:buChar char="•"/>
+            </a:pPr>
+            <a:r>
+              <a:rPr lang="en-GB" sz="1200" dirty="0"/>
+              <a:t>Advantages of this:</a:t>
+            </a:r>
+          </a:p>
+          <a:p>
+            <a:pPr marL="819150" lvl="2" indent="-285750"/>
+            <a:r>
+              <a:rPr lang="en-GB" sz="1200" dirty="0"/>
+              <a:t>Developers bring different experience to the task and may assess it in different ways</a:t>
+            </a:r>
+          </a:p>
+          <a:p>
+            <a:pPr marL="819150" lvl="2" indent="-285750"/>
+            <a:r>
+              <a:rPr lang="en-GB" sz="1200" dirty="0"/>
+              <a:t>Developers are forced to think in different ways by the two different roles</a:t>
+            </a:r>
+          </a:p>
+          <a:p>
+            <a:pPr marL="819150" lvl="2" indent="-285750"/>
+            <a:r>
+              <a:rPr lang="en-GB" sz="1200" dirty="0"/>
+              <a:t>Knowledge sharing happens between the developers</a:t>
+            </a:r>
+          </a:p>
+          <a:p>
+            <a:pPr marL="285750" indent="-285750"/>
+            <a:endParaRPr lang="en-GB" sz="1200" dirty="0"/>
+          </a:p>
+          <a:p>
+            <a:pPr marL="285750" indent="-285750">
+              <a:buFont typeface="Arial" panose="020B0604020202020204" pitchFamily="34" charset="0"/>
+              <a:buChar char="•"/>
+            </a:pPr>
+            <a:r>
+              <a:rPr lang="en-GB" sz="1200" dirty="0"/>
+              <a:t>Main disadvantage: it takes longer!</a:t>
+            </a:r>
+          </a:p>
+        </p:txBody>
+      </p:sp>
     </p:spTree>
     <p:extLst>
       <p:ext uri="{BB962C8B-B14F-4D97-AF65-F5344CB8AC3E}">
-        <p14:creationId xmlns:p14="http://schemas.microsoft.com/office/powerpoint/2010/main" val="1682848198"/>
+        <p14:creationId xmlns:p14="http://schemas.microsoft.com/office/powerpoint/2010/main" val="587718158"/>
       </p:ext>
     </p:extLst>
   </p:cSld>
@@ -16702,19 +16887,111 @@
           <a:chExt cx="0" cy="0"/>
         </a:xfrm>
       </p:grpSpPr>
+      <p:sp>
+        <p:nvSpPr>
+          <p:cNvPr id="2" name="Title 1">
+            <a:extLst>
+              <a:ext uri="{FF2B5EF4-FFF2-40B4-BE49-F238E27FC236}">
+                <a16:creationId xmlns:a16="http://schemas.microsoft.com/office/drawing/2014/main" id="{B491CE7B-F9F5-46CD-A445-545C61DE374A}"/>
+              </a:ext>
+            </a:extLst>
+          </p:cNvPr>
+          <p:cNvSpPr>
+            <a:spLocks noGrp="1"/>
+          </p:cNvSpPr>
+          <p:nvPr>
+            <p:ph type="title"/>
+          </p:nvPr>
+        </p:nvSpPr>
+        <p:spPr/>
+        <p:txBody>
+          <a:bodyPr/>
+          <a:lstStyle/>
+          <a:p>
+            <a:r>
+              <a:rPr lang="en-GB" sz="2800" spc="-75" dirty="0">
+                <a:latin typeface="Montserrat Light"/>
+              </a:rPr>
+              <a:t>Timetable - Monday</a:t>
+            </a:r>
+            <a:endParaRPr lang="en-GB" sz="2800" spc="-75" dirty="0">
+              <a:latin typeface="Montserrat"/>
+            </a:endParaRPr>
+          </a:p>
+        </p:txBody>
+      </p:sp>
+      <p:sp>
+        <p:nvSpPr>
+          <p:cNvPr id="4" name="Footer Placeholder 3">
+            <a:extLst>
+              <a:ext uri="{FF2B5EF4-FFF2-40B4-BE49-F238E27FC236}">
+                <a16:creationId xmlns:a16="http://schemas.microsoft.com/office/drawing/2014/main" id="{8F3824E5-9699-4B33-9D02-5717D5472D31}"/>
+              </a:ext>
+            </a:extLst>
+          </p:cNvPr>
+          <p:cNvSpPr>
+            <a:spLocks noGrp="1"/>
+          </p:cNvSpPr>
+          <p:nvPr>
+            <p:ph type="ftr" sz="quarter" idx="11"/>
+          </p:nvPr>
+        </p:nvSpPr>
+        <p:spPr/>
+        <p:txBody>
+          <a:bodyPr/>
+          <a:lstStyle/>
+          <a:p>
+            <a:r>
+              <a:rPr lang="en-GB" dirty="0"/>
+              <a:t>Introduction</a:t>
+            </a:r>
+          </a:p>
+        </p:txBody>
+      </p:sp>
+      <p:sp>
+        <p:nvSpPr>
+          <p:cNvPr id="5" name="Slide Number Placeholder 4">
+            <a:extLst>
+              <a:ext uri="{FF2B5EF4-FFF2-40B4-BE49-F238E27FC236}">
+                <a16:creationId xmlns:a16="http://schemas.microsoft.com/office/drawing/2014/main" id="{13157828-AA0E-4DAA-BC18-96D423FBB5F7}"/>
+              </a:ext>
+            </a:extLst>
+          </p:cNvPr>
+          <p:cNvSpPr>
+            <a:spLocks noGrp="1"/>
+          </p:cNvSpPr>
+          <p:nvPr>
+            <p:ph type="sldNum" sz="quarter" idx="12"/>
+          </p:nvPr>
+        </p:nvSpPr>
+        <p:spPr/>
+        <p:txBody>
+          <a:bodyPr/>
+          <a:lstStyle/>
+          <a:p>
+            <a:fld id="{BC3375C0-E832-4564-9B1D-553F653E3826}" type="slidenum">
+              <a:rPr lang="en-GB" smtClean="0"/>
+              <a:t>19</a:t>
+            </a:fld>
+            <a:endParaRPr lang="en-GB"/>
+          </a:p>
+        </p:txBody>
+      </p:sp>
       <p:pic>
         <p:nvPicPr>
-          <p:cNvPr id="11" name="Picture 10">
-            <a:extLst>
-              <a:ext uri="{FF2B5EF4-FFF2-40B4-BE49-F238E27FC236}">
-                <a16:creationId xmlns:a16="http://schemas.microsoft.com/office/drawing/2014/main" id="{25EA5C40-9073-415D-8836-8B343D92EF98}"/>
+          <p:cNvPr id="7" name="Content Placeholder 6">
+            <a:extLst>
+              <a:ext uri="{FF2B5EF4-FFF2-40B4-BE49-F238E27FC236}">
+                <a16:creationId xmlns:a16="http://schemas.microsoft.com/office/drawing/2014/main" id="{C5195375-971E-429F-852E-A4127B0983E3}"/>
               </a:ext>
             </a:extLst>
           </p:cNvPr>
           <p:cNvPicPr>
-            <a:picLocks noChangeAspect="1"/>
+            <a:picLocks noGrp="1" noChangeAspect="1"/>
           </p:cNvPicPr>
-          <p:nvPr/>
+          <p:nvPr>
+            <p:ph idx="1"/>
+          </p:nvPr>
         </p:nvPicPr>
         <p:blipFill>
           <a:blip r:embed="rId3"/>
@@ -16725,107 +17002,14 @@
         <p:spPr>
           <a:xfrm>
             <a:off x="1180882" y="1817244"/>
-            <a:ext cx="9996373" cy="4577207"/>
+            <a:ext cx="9981065" cy="4577207"/>
           </a:xfrm>
-          <a:prstGeom prst="rect">
-            <a:avLst/>
-          </a:prstGeom>
         </p:spPr>
       </p:pic>
-      <p:sp>
-        <p:nvSpPr>
-          <p:cNvPr id="2" name="Title 1">
-            <a:extLst>
-              <a:ext uri="{FF2B5EF4-FFF2-40B4-BE49-F238E27FC236}">
-                <a16:creationId xmlns:a16="http://schemas.microsoft.com/office/drawing/2014/main" id="{B491CE7B-F9F5-46CD-A445-545C61DE374A}"/>
-              </a:ext>
-            </a:extLst>
-          </p:cNvPr>
-          <p:cNvSpPr>
-            <a:spLocks noGrp="1"/>
-          </p:cNvSpPr>
-          <p:nvPr>
-            <p:ph type="title"/>
-          </p:nvPr>
-        </p:nvSpPr>
-        <p:spPr/>
-        <p:txBody>
-          <a:bodyPr/>
-          <a:lstStyle/>
-          <a:p>
-            <a:r>
-              <a:rPr lang="en-GB" sz="2800" spc="-75" dirty="0">
-                <a:latin typeface="Montserrat Light"/>
-              </a:rPr>
-              <a:t>Timetable - Tuesday</a:t>
-            </a:r>
-            <a:endParaRPr lang="en-GB" sz="2800" spc="-75" dirty="0">
-              <a:latin typeface="Montserrat"/>
-            </a:endParaRPr>
-          </a:p>
-        </p:txBody>
-      </p:sp>
-      <p:sp>
-        <p:nvSpPr>
-          <p:cNvPr id="4" name="Footer Placeholder 3">
-            <a:extLst>
-              <a:ext uri="{FF2B5EF4-FFF2-40B4-BE49-F238E27FC236}">
-                <a16:creationId xmlns:a16="http://schemas.microsoft.com/office/drawing/2014/main" id="{8F3824E5-9699-4B33-9D02-5717D5472D31}"/>
-              </a:ext>
-            </a:extLst>
-          </p:cNvPr>
-          <p:cNvSpPr>
-            <a:spLocks noGrp="1"/>
-          </p:cNvSpPr>
-          <p:nvPr>
-            <p:ph type="ftr" sz="quarter" idx="11"/>
-          </p:nvPr>
-        </p:nvSpPr>
-        <p:spPr/>
-        <p:txBody>
-          <a:bodyPr/>
-          <a:lstStyle/>
-          <a:p>
-            <a:r>
-              <a:rPr lang="en-GB" dirty="0"/>
-              <a:t>Version Control, Git and GitHub</a:t>
-            </a:r>
-          </a:p>
-        </p:txBody>
-      </p:sp>
-      <p:sp>
-        <p:nvSpPr>
-          <p:cNvPr id="5" name="Slide Number Placeholder 4">
-            <a:extLst>
-              <a:ext uri="{FF2B5EF4-FFF2-40B4-BE49-F238E27FC236}">
-                <a16:creationId xmlns:a16="http://schemas.microsoft.com/office/drawing/2014/main" id="{13157828-AA0E-4DAA-BC18-96D423FBB5F7}"/>
-              </a:ext>
-            </a:extLst>
-          </p:cNvPr>
-          <p:cNvSpPr>
-            <a:spLocks noGrp="1"/>
-          </p:cNvSpPr>
-          <p:nvPr>
-            <p:ph type="sldNum" sz="quarter" idx="12"/>
-          </p:nvPr>
-        </p:nvSpPr>
-        <p:spPr/>
-        <p:txBody>
-          <a:bodyPr/>
-          <a:lstStyle/>
-          <a:p>
-            <a:fld id="{BC3375C0-E832-4564-9B1D-553F653E3826}" type="slidenum">
-              <a:rPr lang="en-GB" smtClean="0"/>
-              <a:t>19</a:t>
-            </a:fld>
-            <a:endParaRPr lang="en-GB"/>
-          </a:p>
-        </p:txBody>
-      </p:sp>
     </p:spTree>
     <p:extLst>
       <p:ext uri="{BB962C8B-B14F-4D97-AF65-F5344CB8AC3E}">
-        <p14:creationId xmlns:p14="http://schemas.microsoft.com/office/powerpoint/2010/main" val="336292279"/>
+        <p14:creationId xmlns:p14="http://schemas.microsoft.com/office/powerpoint/2010/main" val="1682848198"/>
       </p:ext>
     </p:extLst>
   </p:cSld>
@@ -17602,10 +17786,10 @@
       </p:grpSpPr>
       <p:pic>
         <p:nvPicPr>
-          <p:cNvPr id="9" name="Picture 8">
-            <a:extLst>
-              <a:ext uri="{FF2B5EF4-FFF2-40B4-BE49-F238E27FC236}">
-                <a16:creationId xmlns:a16="http://schemas.microsoft.com/office/drawing/2014/main" id="{3725DA1A-B9CC-4855-9AA6-BAA26810602F}"/>
+          <p:cNvPr id="11" name="Picture 10">
+            <a:extLst>
+              <a:ext uri="{FF2B5EF4-FFF2-40B4-BE49-F238E27FC236}">
+                <a16:creationId xmlns:a16="http://schemas.microsoft.com/office/drawing/2014/main" id="{25EA5C40-9073-415D-8836-8B343D92EF98}"/>
               </a:ext>
             </a:extLst>
           </p:cNvPr>
@@ -17623,7 +17807,7 @@
         <p:spPr>
           <a:xfrm>
             <a:off x="1180882" y="1817244"/>
-            <a:ext cx="9963053" cy="4577207"/>
+            <a:ext cx="9996373" cy="4577207"/>
           </a:xfrm>
           <a:prstGeom prst="rect">
             <a:avLst/>
@@ -17655,7 +17839,7 @@
               <a:rPr lang="en-GB" sz="2800" spc="-75" dirty="0">
                 <a:latin typeface="Montserrat Light"/>
               </a:rPr>
-              <a:t>Timetable - Wednesday</a:t>
+              <a:t>Timetable - Tuesday</a:t>
             </a:r>
             <a:endParaRPr lang="en-GB" sz="2800" spc="-75" dirty="0">
               <a:latin typeface="Montserrat"/>
@@ -17686,7 +17870,7 @@
           <a:p>
             <a:r>
               <a:rPr lang="en-GB" dirty="0"/>
-              <a:t>Version Control, Git and GitHub</a:t>
+              <a:t>Introduction</a:t>
             </a:r>
           </a:p>
         </p:txBody>
@@ -17723,7 +17907,7 @@
     </p:spTree>
     <p:extLst>
       <p:ext uri="{BB962C8B-B14F-4D97-AF65-F5344CB8AC3E}">
-        <p14:creationId xmlns:p14="http://schemas.microsoft.com/office/powerpoint/2010/main" val="3846868541"/>
+        <p14:creationId xmlns:p14="http://schemas.microsoft.com/office/powerpoint/2010/main" val="336292279"/>
       </p:ext>
     </p:extLst>
   </p:cSld>
@@ -17760,10 +17944,10 @@
       </p:grpSpPr>
       <p:pic>
         <p:nvPicPr>
-          <p:cNvPr id="6" name="Picture 5">
-            <a:extLst>
-              <a:ext uri="{FF2B5EF4-FFF2-40B4-BE49-F238E27FC236}">
-                <a16:creationId xmlns:a16="http://schemas.microsoft.com/office/drawing/2014/main" id="{A43CA860-0AD0-4E65-9D45-A578AAF155AE}"/>
+          <p:cNvPr id="9" name="Picture 8">
+            <a:extLst>
+              <a:ext uri="{FF2B5EF4-FFF2-40B4-BE49-F238E27FC236}">
+                <a16:creationId xmlns:a16="http://schemas.microsoft.com/office/drawing/2014/main" id="{3725DA1A-B9CC-4855-9AA6-BAA26810602F}"/>
               </a:ext>
             </a:extLst>
           </p:cNvPr>
@@ -17781,7 +17965,7 @@
         <p:spPr>
           <a:xfrm>
             <a:off x="1180882" y="1817244"/>
-            <a:ext cx="9978310" cy="4577207"/>
+            <a:ext cx="9963053" cy="4577207"/>
           </a:xfrm>
           <a:prstGeom prst="rect">
             <a:avLst/>
@@ -17813,7 +17997,7 @@
               <a:rPr lang="en-GB" sz="2800" spc="-75" dirty="0">
                 <a:latin typeface="Montserrat Light"/>
               </a:rPr>
-              <a:t>Timetable - Thursday</a:t>
+              <a:t>Timetable - Wednesday</a:t>
             </a:r>
             <a:endParaRPr lang="en-GB" sz="2800" spc="-75" dirty="0">
               <a:latin typeface="Montserrat"/>
@@ -17844,7 +18028,7 @@
           <a:p>
             <a:r>
               <a:rPr lang="en-GB" dirty="0"/>
-              <a:t>Version Control, Git and GitHub</a:t>
+              <a:t>Introduction</a:t>
             </a:r>
           </a:p>
         </p:txBody>
@@ -17881,7 +18065,7 @@
     </p:spTree>
     <p:extLst>
       <p:ext uri="{BB962C8B-B14F-4D97-AF65-F5344CB8AC3E}">
-        <p14:creationId xmlns:p14="http://schemas.microsoft.com/office/powerpoint/2010/main" val="1350169946"/>
+        <p14:creationId xmlns:p14="http://schemas.microsoft.com/office/powerpoint/2010/main" val="3846868541"/>
       </p:ext>
     </p:extLst>
   </p:cSld>
@@ -17916,6 +18100,164 @@
           <a:chExt cx="0" cy="0"/>
         </a:xfrm>
       </p:grpSpPr>
+      <p:pic>
+        <p:nvPicPr>
+          <p:cNvPr id="6" name="Picture 5">
+            <a:extLst>
+              <a:ext uri="{FF2B5EF4-FFF2-40B4-BE49-F238E27FC236}">
+                <a16:creationId xmlns:a16="http://schemas.microsoft.com/office/drawing/2014/main" id="{A43CA860-0AD0-4E65-9D45-A578AAF155AE}"/>
+              </a:ext>
+            </a:extLst>
+          </p:cNvPr>
+          <p:cNvPicPr>
+            <a:picLocks noChangeAspect="1"/>
+          </p:cNvPicPr>
+          <p:nvPr/>
+        </p:nvPicPr>
+        <p:blipFill>
+          <a:blip r:embed="rId3"/>
+          <a:stretch>
+            <a:fillRect/>
+          </a:stretch>
+        </p:blipFill>
+        <p:spPr>
+          <a:xfrm>
+            <a:off x="1180882" y="1817244"/>
+            <a:ext cx="9978310" cy="4577207"/>
+          </a:xfrm>
+          <a:prstGeom prst="rect">
+            <a:avLst/>
+          </a:prstGeom>
+        </p:spPr>
+      </p:pic>
+      <p:sp>
+        <p:nvSpPr>
+          <p:cNvPr id="2" name="Title 1">
+            <a:extLst>
+              <a:ext uri="{FF2B5EF4-FFF2-40B4-BE49-F238E27FC236}">
+                <a16:creationId xmlns:a16="http://schemas.microsoft.com/office/drawing/2014/main" id="{B491CE7B-F9F5-46CD-A445-545C61DE374A}"/>
+              </a:ext>
+            </a:extLst>
+          </p:cNvPr>
+          <p:cNvSpPr>
+            <a:spLocks noGrp="1"/>
+          </p:cNvSpPr>
+          <p:nvPr>
+            <p:ph type="title"/>
+          </p:nvPr>
+        </p:nvSpPr>
+        <p:spPr/>
+        <p:txBody>
+          <a:bodyPr/>
+          <a:lstStyle/>
+          <a:p>
+            <a:r>
+              <a:rPr lang="en-GB" sz="2800" spc="-75" dirty="0">
+                <a:latin typeface="Montserrat Light"/>
+              </a:rPr>
+              <a:t>Timetable - Thursday</a:t>
+            </a:r>
+            <a:endParaRPr lang="en-GB" sz="2800" spc="-75" dirty="0">
+              <a:latin typeface="Montserrat"/>
+            </a:endParaRPr>
+          </a:p>
+        </p:txBody>
+      </p:sp>
+      <p:sp>
+        <p:nvSpPr>
+          <p:cNvPr id="4" name="Footer Placeholder 3">
+            <a:extLst>
+              <a:ext uri="{FF2B5EF4-FFF2-40B4-BE49-F238E27FC236}">
+                <a16:creationId xmlns:a16="http://schemas.microsoft.com/office/drawing/2014/main" id="{8F3824E5-9699-4B33-9D02-5717D5472D31}"/>
+              </a:ext>
+            </a:extLst>
+          </p:cNvPr>
+          <p:cNvSpPr>
+            <a:spLocks noGrp="1"/>
+          </p:cNvSpPr>
+          <p:nvPr>
+            <p:ph type="ftr" sz="quarter" idx="11"/>
+          </p:nvPr>
+        </p:nvSpPr>
+        <p:spPr/>
+        <p:txBody>
+          <a:bodyPr/>
+          <a:lstStyle/>
+          <a:p>
+            <a:r>
+              <a:rPr lang="en-GB" dirty="0"/>
+              <a:t>Introduction</a:t>
+            </a:r>
+          </a:p>
+        </p:txBody>
+      </p:sp>
+      <p:sp>
+        <p:nvSpPr>
+          <p:cNvPr id="5" name="Slide Number Placeholder 4">
+            <a:extLst>
+              <a:ext uri="{FF2B5EF4-FFF2-40B4-BE49-F238E27FC236}">
+                <a16:creationId xmlns:a16="http://schemas.microsoft.com/office/drawing/2014/main" id="{13157828-AA0E-4DAA-BC18-96D423FBB5F7}"/>
+              </a:ext>
+            </a:extLst>
+          </p:cNvPr>
+          <p:cNvSpPr>
+            <a:spLocks noGrp="1"/>
+          </p:cNvSpPr>
+          <p:nvPr>
+            <p:ph type="sldNum" sz="quarter" idx="12"/>
+          </p:nvPr>
+        </p:nvSpPr>
+        <p:spPr/>
+        <p:txBody>
+          <a:bodyPr/>
+          <a:lstStyle/>
+          <a:p>
+            <a:fld id="{BC3375C0-E832-4564-9B1D-553F653E3826}" type="slidenum">
+              <a:rPr lang="en-GB" smtClean="0"/>
+              <a:t>22</a:t>
+            </a:fld>
+            <a:endParaRPr lang="en-GB"/>
+          </a:p>
+        </p:txBody>
+      </p:sp>
+    </p:spTree>
+    <p:extLst>
+      <p:ext uri="{BB962C8B-B14F-4D97-AF65-F5344CB8AC3E}">
+        <p14:creationId xmlns:p14="http://schemas.microsoft.com/office/powerpoint/2010/main" val="1350169946"/>
+      </p:ext>
+    </p:extLst>
+  </p:cSld>
+  <p:clrMapOvr>
+    <a:masterClrMapping/>
+  </p:clrMapOvr>
+  <mc:AlternateContent xmlns:mc="http://schemas.openxmlformats.org/markup-compatibility/2006" xmlns:p14="http://schemas.microsoft.com/office/powerpoint/2010/main">
+    <mc:Choice Requires="p14">
+      <p:transition p14:dur="0"/>
+    </mc:Choice>
+    <mc:Fallback xmlns="">
+      <p:transition/>
+    </mc:Fallback>
+  </mc:AlternateContent>
+</p:sld>
+</file>
+
+<file path=ppt/slides/slide23.xml><?xml version="1.0" encoding="utf-8"?>
+<p:sld xmlns:a="http://schemas.openxmlformats.org/drawingml/2006/main" xmlns:r="http://schemas.openxmlformats.org/officeDocument/2006/relationships" xmlns:p="http://schemas.openxmlformats.org/presentationml/2006/main">
+  <p:cSld>
+    <p:spTree>
+      <p:nvGrpSpPr>
+        <p:cNvPr id="1" name=""/>
+        <p:cNvGrpSpPr/>
+        <p:nvPr/>
+      </p:nvGrpSpPr>
+      <p:grpSpPr>
+        <a:xfrm>
+          <a:off x="0" y="0"/>
+          <a:ext cx="0" cy="0"/>
+          <a:chOff x="0" y="0"/>
+          <a:chExt cx="0" cy="0"/>
+        </a:xfrm>
+      </p:grpSpPr>
       <p:sp>
         <p:nvSpPr>
           <p:cNvPr id="2" name="Title 1">
@@ -17972,7 +18314,7 @@
           <a:p>
             <a:r>
               <a:rPr lang="en-GB" dirty="0"/>
-              <a:t>Version Control, Git and GitHub</a:t>
+              <a:t>Introduction</a:t>
             </a:r>
           </a:p>
         </p:txBody>
@@ -18000,7 +18342,7 @@
           <a:p>
             <a:fld id="{BC3375C0-E832-4564-9B1D-553F653E3826}" type="slidenum">
               <a:rPr lang="en-GB" smtClean="0"/>
-              <a:t>22</a:t>
+              <a:t>23</a:t>
             </a:fld>
             <a:endParaRPr lang="en-GB"/>
           </a:p>
@@ -18057,7 +18399,7 @@
 </p:sld>
 </file>
 
-<file path=ppt/slides/slide23.xml><?xml version="1.0" encoding="utf-8"?>
+<file path=ppt/slides/slide24.xml><?xml version="1.0" encoding="utf-8"?>
 <p:sld xmlns:a="http://schemas.openxmlformats.org/drawingml/2006/main" xmlns:r="http://schemas.openxmlformats.org/officeDocument/2006/relationships" xmlns:p="http://schemas.openxmlformats.org/presentationml/2006/main">
   <p:cSld>
     <p:spTree>
@@ -18818,7 +19160,7 @@
             </a:pPr>
             <a:r>
               <a:rPr lang="en-GB" dirty="0"/>
-              <a:t>I studied Chemical Engineering at University and worked as a chemical engineer for a while, before switching to being a Software Developer full-time. I’ve been at Softwire for just over 18 months.</a:t>
+              <a:t>I studied Chemical Engineering at university and worked as a chemical engineer for a while, before switching to being a Software Developer full-time. I’ve been at Softwire for just over 18 months.</a:t>
             </a:r>
           </a:p>
           <a:p>
@@ -18868,6 +19210,89 @@
           </a:p>
         </p:txBody>
       </p:sp>
+      <p:pic>
+        <p:nvPicPr>
+          <p:cNvPr id="1026" name="Picture 2" descr="LNER announces new Azuma trains will enter service in May">
+            <a:extLst>
+              <a:ext uri="{FF2B5EF4-FFF2-40B4-BE49-F238E27FC236}">
+                <a16:creationId xmlns:a16="http://schemas.microsoft.com/office/drawing/2014/main" id="{49DFF345-35E2-49C7-ADBB-27C0B43FC3A8}"/>
+              </a:ext>
+            </a:extLst>
+          </p:cNvPr>
+          <p:cNvPicPr>
+            <a:picLocks noChangeAspect="1" noChangeArrowheads="1"/>
+          </p:cNvPicPr>
+          <p:nvPr/>
+        </p:nvPicPr>
+        <p:blipFill>
+          <a:blip r:embed="rId3">
+            <a:extLst>
+              <a:ext uri="{28A0092B-C50C-407E-A947-70E740481C1C}">
+                <a14:useLocalDpi xmlns:a14="http://schemas.microsoft.com/office/drawing/2010/main" val="0"/>
+              </a:ext>
+            </a:extLst>
+          </a:blip>
+          <a:srcRect/>
+          <a:stretch>
+            <a:fillRect/>
+          </a:stretch>
+        </p:blipFill>
+        <p:spPr bwMode="auto">
+          <a:xfrm>
+            <a:off x="6467062" y="4338285"/>
+            <a:ext cx="2387010" cy="1432206"/>
+          </a:xfrm>
+          <a:prstGeom prst="rect">
+            <a:avLst/>
+          </a:prstGeom>
+          <a:noFill/>
+          <a:extLst>
+            <a:ext uri="{909E8E84-426E-40DD-AFC4-6F175D3DCCD1}">
+              <a14:hiddenFill xmlns:a14="http://schemas.microsoft.com/office/drawing/2010/main">
+                <a:solidFill>
+                  <a:srgbClr val="FFFFFF"/>
+                </a:solidFill>
+              </a14:hiddenFill>
+            </a:ext>
+          </a:extLst>
+        </p:spPr>
+      </p:pic>
+      <p:pic>
+        <p:nvPicPr>
+          <p:cNvPr id="7" name="Picture 6" descr="A person sitting in a wheelchair&#10;&#10;Description automatically generated with low confidence">
+            <a:extLst>
+              <a:ext uri="{FF2B5EF4-FFF2-40B4-BE49-F238E27FC236}">
+                <a16:creationId xmlns:a16="http://schemas.microsoft.com/office/drawing/2014/main" id="{B00C1904-4F0F-41FF-AAE8-809005BA4439}"/>
+              </a:ext>
+            </a:extLst>
+          </p:cNvPr>
+          <p:cNvPicPr>
+            <a:picLocks noChangeAspect="1"/>
+          </p:cNvPicPr>
+          <p:nvPr/>
+        </p:nvPicPr>
+        <p:blipFill>
+          <a:blip r:embed="rId4">
+            <a:extLst>
+              <a:ext uri="{28A0092B-C50C-407E-A947-70E740481C1C}">
+                <a14:useLocalDpi xmlns:a14="http://schemas.microsoft.com/office/drawing/2010/main" val="0"/>
+              </a:ext>
+            </a:extLst>
+          </a:blip>
+          <a:stretch>
+            <a:fillRect/>
+          </a:stretch>
+        </p:blipFill>
+        <p:spPr>
+          <a:xfrm>
+            <a:off x="8854072" y="4338285"/>
+            <a:ext cx="2157046" cy="1438031"/>
+          </a:xfrm>
+          <a:prstGeom prst="rect">
+            <a:avLst/>
+          </a:prstGeom>
+        </p:spPr>
+      </p:pic>
     </p:spTree>
     <p:extLst>
       <p:ext uri="{BB962C8B-B14F-4D97-AF65-F5344CB8AC3E}">
@@ -19658,7 +20083,7 @@
             </a:pPr>
             <a:r>
               <a:rPr lang="en-GB" sz="1800" dirty="0"/>
-              <a:t>VS Code</a:t>
+              <a:t>VS Code + Live Share Extension</a:t>
             </a:r>
           </a:p>
           <a:p>
@@ -19701,10 +20126,6 @@
             </a:r>
           </a:p>
           <a:p>
-            <a:pPr marL="285750" indent="-285750">
-              <a:buFont typeface="Arial" panose="020B0604020202020204" pitchFamily="34" charset="0"/>
-              <a:buChar char="•"/>
-            </a:pPr>
             <a:endParaRPr lang="en-GB" sz="1800" dirty="0"/>
           </a:p>
           <a:p>
@@ -21178,18 +21599,18 @@
 </file>
 
 <file path=customXml/item1.xml><?xml version="1.0" encoding="utf-8"?>
-<p:properties xmlns:p="http://schemas.microsoft.com/office/2006/metadata/properties" xmlns:xsi="http://www.w3.org/2001/XMLSchema-instance" xmlns:pc="http://schemas.microsoft.com/office/infopath/2007/PartnerControls">
-  <documentManagement/>
-</p:properties>
-</file>
-
-<file path=customXml/item2.xml><?xml version="1.0" encoding="utf-8"?>
 <?mso-contentType ?>
 <FormTemplates xmlns="http://schemas.microsoft.com/sharepoint/v3/contenttype/forms">
   <Display>DocumentLibraryForm</Display>
   <Edit>DocumentLibraryForm</Edit>
   <New>DocumentLibraryForm</New>
 </FormTemplates>
+</file>
+
+<file path=customXml/item2.xml><?xml version="1.0" encoding="utf-8"?>
+<p:properties xmlns:p="http://schemas.microsoft.com/office/2006/metadata/properties" xmlns:xsi="http://www.w3.org/2001/XMLSchema-instance" xmlns:pc="http://schemas.microsoft.com/office/infopath/2007/PartnerControls">
+  <documentManagement/>
+</p:properties>
 </file>
 
 <file path=customXml/item3.xml><?xml version="1.0" encoding="utf-8"?>
@@ -21410,6 +21831,14 @@
 </file>
 
 <file path=customXml/itemProps1.xml><?xml version="1.0" encoding="utf-8"?>
+<ds:datastoreItem xmlns:ds="http://schemas.openxmlformats.org/officeDocument/2006/customXml" ds:itemID="{CE1CAEE4-FACD-4E29-9FA2-1415ACCF9B2B}">
+  <ds:schemaRefs>
+    <ds:schemaRef ds:uri="http://schemas.microsoft.com/sharepoint/v3/contenttype/forms"/>
+  </ds:schemaRefs>
+</ds:datastoreItem>
+</file>
+
+<file path=customXml/itemProps2.xml><?xml version="1.0" encoding="utf-8"?>
 <ds:datastoreItem xmlns:ds="http://schemas.openxmlformats.org/officeDocument/2006/customXml" ds:itemID="{7C3E776E-B10B-4ADA-92E8-25AFDF00BE65}">
   <ds:schemaRefs>
     <ds:schemaRef ds:uri="16822fe8-4949-411e-b509-0583e0da6ec6"/>
@@ -21422,14 +21851,6 @@
     <ds:schemaRef ds:uri="http://schemas.microsoft.com/office/infopath/2007/PartnerControls"/>
     <ds:schemaRef ds:uri="http://schemas.openxmlformats.org/package/2006/metadata/core-properties"/>
     <ds:schemaRef ds:uri="http://www.w3.org/XML/1998/namespace"/>
-  </ds:schemaRefs>
-</ds:datastoreItem>
-</file>
-
-<file path=customXml/itemProps2.xml><?xml version="1.0" encoding="utf-8"?>
-<ds:datastoreItem xmlns:ds="http://schemas.openxmlformats.org/officeDocument/2006/customXml" ds:itemID="{CE1CAEE4-FACD-4E29-9FA2-1415ACCF9B2B}">
-  <ds:schemaRefs>
-    <ds:schemaRef ds:uri="http://schemas.microsoft.com/sharepoint/v3/contenttype/forms"/>
   </ds:schemaRefs>
 </ds:datastoreItem>
 </file>

--- a/presentations/intro.pptx
+++ b/presentations/intro.pptx
@@ -240,7 +240,7 @@
           <a:p>
             <a:fld id="{78B2772D-67CF-446E-AB14-873D70346968}" type="datetimeFigureOut">
               <a:rPr lang="en-GB" smtClean="0"/>
-              <a:t>14/02/2022</a:t>
+              <a:t>24/10/2022</a:t>
             </a:fld>
             <a:endParaRPr lang="en-GB"/>
           </a:p>
@@ -2675,7 +2675,7 @@
           <a:p>
             <a:fld id="{6C25FA03-981D-3F4F-ABFD-F2CAE44CF4DF}" type="datetime1">
               <a:rPr lang="en-GB" smtClean="0"/>
-              <a:t>14/02/2022</a:t>
+              <a:t>24/10/2022</a:t>
             </a:fld>
             <a:endParaRPr lang="en-GB"/>
           </a:p>
@@ -2995,7 +2995,7 @@
           <a:p>
             <a:fld id="{AD447513-F0D7-9140-9852-9A843D8B81D3}" type="datetime1">
               <a:rPr lang="en-GB" smtClean="0"/>
-              <a:t>14/02/2022</a:t>
+              <a:t>24/10/2022</a:t>
             </a:fld>
             <a:endParaRPr lang="en-GB"/>
           </a:p>
@@ -3408,7 +3408,7 @@
           <a:p>
             <a:fld id="{4FC983D9-AEB3-884A-8B61-40B359253CCD}" type="datetime1">
               <a:rPr lang="en-GB" smtClean="0"/>
-              <a:t>14/02/2022</a:t>
+              <a:t>24/10/2022</a:t>
             </a:fld>
             <a:endParaRPr lang="en-GB"/>
           </a:p>
@@ -4443,7 +4443,7 @@
           <a:p>
             <a:fld id="{862EF5BF-54FA-BF48-B61D-2432192EF666}" type="datetime1">
               <a:rPr lang="en-GB" smtClean="0"/>
-              <a:t>14/02/2022</a:t>
+              <a:t>24/10/2022</a:t>
             </a:fld>
             <a:endParaRPr lang="en-GB"/>
           </a:p>
@@ -7562,7 +7562,7 @@
           <a:p>
             <a:fld id="{08B972FC-9C63-1B41-803B-B958A5F6CE25}" type="datetime1">
               <a:rPr lang="en-GB" smtClean="0"/>
-              <a:t>14/02/2022</a:t>
+              <a:t>24/10/2022</a:t>
             </a:fld>
             <a:endParaRPr lang="en-GB"/>
           </a:p>
@@ -7690,7 +7690,7 @@
           <a:p>
             <a:fld id="{05210873-7FD8-1244-ABA1-499AC4AF712B}" type="datetime1">
               <a:rPr lang="en-GB" smtClean="0"/>
-              <a:t>14/02/2022</a:t>
+              <a:t>24/10/2022</a:t>
             </a:fld>
             <a:endParaRPr lang="en-GB"/>
           </a:p>
@@ -7920,7 +7920,7 @@
           <a:p>
             <a:fld id="{5075CE0D-163E-D54F-96AD-C92D6F353048}" type="datetime1">
               <a:rPr lang="en-GB" smtClean="0"/>
-              <a:t>14/02/2022</a:t>
+              <a:t>24/10/2022</a:t>
             </a:fld>
             <a:endParaRPr lang="en-GB"/>
           </a:p>
@@ -9139,7 +9139,7 @@
           </a:ln>
           <a:extLst>
             <a:ext uri="{C572A759-6A51-4108-AA02-DFA0A04FC94B}">
-              <ma14:wrappingTextBoxFlag xmlns="" xmlns:ma14="http://schemas.microsoft.com/office/mac/drawingml/2011/main" val="1"/>
+              <ma14:wrappingTextBoxFlag xmlns:ma14="http://schemas.microsoft.com/office/mac/drawingml/2011/main" xmlns="" val="1"/>
             </a:ext>
           </a:extLst>
         </p:spPr>
@@ -9336,7 +9336,7 @@
           </a:ln>
           <a:extLst>
             <a:ext uri="{C572A759-6A51-4108-AA02-DFA0A04FC94B}">
-              <ma14:wrappingTextBoxFlag xmlns="" xmlns:ma14="http://schemas.microsoft.com/office/mac/drawingml/2011/main" val="1"/>
+              <ma14:wrappingTextBoxFlag xmlns:ma14="http://schemas.microsoft.com/office/mac/drawingml/2011/main" xmlns="" val="1"/>
             </a:ext>
           </a:extLst>
         </p:spPr>
@@ -9599,7 +9599,7 @@
           </a:ln>
           <a:extLst>
             <a:ext uri="{C572A759-6A51-4108-AA02-DFA0A04FC94B}">
-              <ma14:wrappingTextBoxFlag xmlns="" xmlns:ma14="http://schemas.microsoft.com/office/mac/drawingml/2011/main" val="1"/>
+              <ma14:wrappingTextBoxFlag xmlns:ma14="http://schemas.microsoft.com/office/mac/drawingml/2011/main" xmlns="" val="1"/>
             </a:ext>
           </a:extLst>
         </p:spPr>
@@ -10620,7 +10620,7 @@
           <a:p>
             <a:fld id="{330677AC-4808-7844-8878-C4DC36017FAF}" type="datetime1">
               <a:rPr lang="en-GB" smtClean="0"/>
-              <a:t>14/02/2022</a:t>
+              <a:t>24/10/2022</a:t>
             </a:fld>
             <a:endParaRPr lang="en-GB"/>
           </a:p>
@@ -11147,7 +11147,7 @@
           <a:p>
             <a:fld id="{05A8478A-EDB8-3145-A182-C5ED532937CD}" type="datetime1">
               <a:rPr lang="en-GB" smtClean="0"/>
-              <a:t>14/02/2022</a:t>
+              <a:t>24/10/2022</a:t>
             </a:fld>
             <a:endParaRPr lang="en-GB"/>
           </a:p>
@@ -11525,7 +11525,7 @@
           <a:p>
             <a:fld id="{3A861D55-4B75-6148-B497-8307DFA79D9F}" type="datetime1">
               <a:rPr lang="en-GB" smtClean="0"/>
-              <a:t>14/02/2022</a:t>
+              <a:t>24/10/2022</a:t>
             </a:fld>
             <a:endParaRPr lang="en-GB"/>
           </a:p>
@@ -11843,7 +11843,7 @@
           <a:p>
             <a:fld id="{23E27BC6-0B0F-3C48-A90A-106E7F9DC3AC}" type="datetime1">
               <a:rPr lang="en-GB" smtClean="0"/>
-              <a:t>14/02/2022</a:t>
+              <a:t>24/10/2022</a:t>
             </a:fld>
             <a:endParaRPr lang="en-GB"/>
           </a:p>
@@ -12225,7 +12225,7 @@
           <a:p>
             <a:fld id="{52156CEE-F6CC-7B46-8301-E62F55883839}" type="datetime1">
               <a:rPr lang="en-GB" smtClean="0"/>
-              <a:t>14/02/2022</a:t>
+              <a:t>24/10/2022</a:t>
             </a:fld>
             <a:endParaRPr lang="en-GB"/>
           </a:p>
@@ -12607,7 +12607,7 @@
           <a:p>
             <a:fld id="{F44621EF-E3B6-AC44-B311-3F80F8F520D1}" type="datetime1">
               <a:rPr lang="en-GB" smtClean="0"/>
-              <a:t>14/02/2022</a:t>
+              <a:t>24/10/2022</a:t>
             </a:fld>
             <a:endParaRPr lang="en-GB"/>
           </a:p>
@@ -12989,7 +12989,7 @@
           <a:p>
             <a:fld id="{D97C8151-BC5D-0342-B9A9-219468AF0BB5}" type="datetime1">
               <a:rPr lang="en-GB" smtClean="0"/>
-              <a:t>14/02/2022</a:t>
+              <a:t>24/10/2022</a:t>
             </a:fld>
             <a:endParaRPr lang="en-GB"/>
           </a:p>
@@ -13322,7 +13322,7 @@
           <a:p>
             <a:fld id="{31D05CA0-F179-1E48-8911-D48A170F3146}" type="datetime1">
               <a:rPr lang="en-GB" smtClean="0"/>
-              <a:t>14/02/2022</a:t>
+              <a:t>24/10/2022</a:t>
             </a:fld>
             <a:endParaRPr lang="en-GB"/>
           </a:p>
@@ -14594,7 +14594,7 @@
           <a:p>
             <a:r>
               <a:rPr lang="en-GB" dirty="0"/>
-              <a:t>February 2022</a:t>
+              <a:t>October 2022</a:t>
             </a:r>
           </a:p>
         </p:txBody>
@@ -16979,19 +16979,17 @@
       </p:sp>
       <p:pic>
         <p:nvPicPr>
-          <p:cNvPr id="7" name="Content Placeholder 6">
-            <a:extLst>
-              <a:ext uri="{FF2B5EF4-FFF2-40B4-BE49-F238E27FC236}">
-                <a16:creationId xmlns:a16="http://schemas.microsoft.com/office/drawing/2014/main" id="{C5195375-971E-429F-852E-A4127B0983E3}"/>
+          <p:cNvPr id="3" name="Picture 2">
+            <a:extLst>
+              <a:ext uri="{FF2B5EF4-FFF2-40B4-BE49-F238E27FC236}">
+                <a16:creationId xmlns:a16="http://schemas.microsoft.com/office/drawing/2014/main" id="{6F782E8E-82D1-34A6-67B5-5124A76EE4DC}"/>
               </a:ext>
             </a:extLst>
           </p:cNvPr>
           <p:cNvPicPr>
-            <a:picLocks noGrp="1" noChangeAspect="1"/>
+            <a:picLocks noChangeAspect="1"/>
           </p:cNvPicPr>
-          <p:nvPr>
-            <p:ph idx="1"/>
-          </p:nvPr>
+          <p:nvPr/>
         </p:nvPicPr>
         <p:blipFill>
           <a:blip r:embed="rId3"/>
@@ -17001,9 +16999,12 @@
         </p:blipFill>
         <p:spPr>
           <a:xfrm>
-            <a:off x="1180882" y="1817244"/>
-            <a:ext cx="9981065" cy="4577207"/>
+            <a:off x="1180882" y="1830410"/>
+            <a:ext cx="9370385" cy="4107933"/>
           </a:xfrm>
+          <a:prstGeom prst="rect">
+            <a:avLst/>
+          </a:prstGeom>
         </p:spPr>
       </p:pic>
     </p:spTree>
@@ -17784,12 +17785,102 @@
           <a:chExt cx="0" cy="0"/>
         </a:xfrm>
       </p:grpSpPr>
+      <p:sp>
+        <p:nvSpPr>
+          <p:cNvPr id="2" name="Title 1">
+            <a:extLst>
+              <a:ext uri="{FF2B5EF4-FFF2-40B4-BE49-F238E27FC236}">
+                <a16:creationId xmlns:a16="http://schemas.microsoft.com/office/drawing/2014/main" id="{B491CE7B-F9F5-46CD-A445-545C61DE374A}"/>
+              </a:ext>
+            </a:extLst>
+          </p:cNvPr>
+          <p:cNvSpPr>
+            <a:spLocks noGrp="1"/>
+          </p:cNvSpPr>
+          <p:nvPr>
+            <p:ph type="title"/>
+          </p:nvPr>
+        </p:nvSpPr>
+        <p:spPr/>
+        <p:txBody>
+          <a:bodyPr/>
+          <a:lstStyle/>
+          <a:p>
+            <a:r>
+              <a:rPr lang="en-GB" sz="2800" spc="-75" dirty="0">
+                <a:latin typeface="Montserrat Light"/>
+              </a:rPr>
+              <a:t>Timetable - Tuesday</a:t>
+            </a:r>
+            <a:endParaRPr lang="en-GB" sz="2800" spc="-75" dirty="0">
+              <a:latin typeface="Montserrat"/>
+            </a:endParaRPr>
+          </a:p>
+        </p:txBody>
+      </p:sp>
+      <p:sp>
+        <p:nvSpPr>
+          <p:cNvPr id="4" name="Footer Placeholder 3">
+            <a:extLst>
+              <a:ext uri="{FF2B5EF4-FFF2-40B4-BE49-F238E27FC236}">
+                <a16:creationId xmlns:a16="http://schemas.microsoft.com/office/drawing/2014/main" id="{8F3824E5-9699-4B33-9D02-5717D5472D31}"/>
+              </a:ext>
+            </a:extLst>
+          </p:cNvPr>
+          <p:cNvSpPr>
+            <a:spLocks noGrp="1"/>
+          </p:cNvSpPr>
+          <p:nvPr>
+            <p:ph type="ftr" sz="quarter" idx="11"/>
+          </p:nvPr>
+        </p:nvSpPr>
+        <p:spPr/>
+        <p:txBody>
+          <a:bodyPr/>
+          <a:lstStyle/>
+          <a:p>
+            <a:r>
+              <a:rPr lang="en-GB" dirty="0"/>
+              <a:t>Introduction</a:t>
+            </a:r>
+          </a:p>
+        </p:txBody>
+      </p:sp>
+      <p:sp>
+        <p:nvSpPr>
+          <p:cNvPr id="5" name="Slide Number Placeholder 4">
+            <a:extLst>
+              <a:ext uri="{FF2B5EF4-FFF2-40B4-BE49-F238E27FC236}">
+                <a16:creationId xmlns:a16="http://schemas.microsoft.com/office/drawing/2014/main" id="{13157828-AA0E-4DAA-BC18-96D423FBB5F7}"/>
+              </a:ext>
+            </a:extLst>
+          </p:cNvPr>
+          <p:cNvSpPr>
+            <a:spLocks noGrp="1"/>
+          </p:cNvSpPr>
+          <p:nvPr>
+            <p:ph type="sldNum" sz="quarter" idx="12"/>
+          </p:nvPr>
+        </p:nvSpPr>
+        <p:spPr/>
+        <p:txBody>
+          <a:bodyPr/>
+          <a:lstStyle/>
+          <a:p>
+            <a:fld id="{BC3375C0-E832-4564-9B1D-553F653E3826}" type="slidenum">
+              <a:rPr lang="en-GB" smtClean="0"/>
+              <a:t>20</a:t>
+            </a:fld>
+            <a:endParaRPr lang="en-GB"/>
+          </a:p>
+        </p:txBody>
+      </p:sp>
       <p:pic>
         <p:nvPicPr>
-          <p:cNvPr id="11" name="Picture 10">
-            <a:extLst>
-              <a:ext uri="{FF2B5EF4-FFF2-40B4-BE49-F238E27FC236}">
-                <a16:creationId xmlns:a16="http://schemas.microsoft.com/office/drawing/2014/main" id="{25EA5C40-9073-415D-8836-8B343D92EF98}"/>
+          <p:cNvPr id="3" name="Picture 2">
+            <a:extLst>
+              <a:ext uri="{FF2B5EF4-FFF2-40B4-BE49-F238E27FC236}">
+                <a16:creationId xmlns:a16="http://schemas.microsoft.com/office/drawing/2014/main" id="{AAB6C7D3-88E1-283D-6308-12D4624AE340}"/>
               </a:ext>
             </a:extLst>
           </p:cNvPr>
@@ -17806,104 +17897,14 @@
         </p:blipFill>
         <p:spPr>
           <a:xfrm>
-            <a:off x="1180882" y="1817244"/>
-            <a:ext cx="9996373" cy="4577207"/>
+            <a:off x="1334529" y="1705773"/>
+            <a:ext cx="9412454" cy="4233548"/>
           </a:xfrm>
           <a:prstGeom prst="rect">
             <a:avLst/>
           </a:prstGeom>
         </p:spPr>
       </p:pic>
-      <p:sp>
-        <p:nvSpPr>
-          <p:cNvPr id="2" name="Title 1">
-            <a:extLst>
-              <a:ext uri="{FF2B5EF4-FFF2-40B4-BE49-F238E27FC236}">
-                <a16:creationId xmlns:a16="http://schemas.microsoft.com/office/drawing/2014/main" id="{B491CE7B-F9F5-46CD-A445-545C61DE374A}"/>
-              </a:ext>
-            </a:extLst>
-          </p:cNvPr>
-          <p:cNvSpPr>
-            <a:spLocks noGrp="1"/>
-          </p:cNvSpPr>
-          <p:nvPr>
-            <p:ph type="title"/>
-          </p:nvPr>
-        </p:nvSpPr>
-        <p:spPr/>
-        <p:txBody>
-          <a:bodyPr/>
-          <a:lstStyle/>
-          <a:p>
-            <a:r>
-              <a:rPr lang="en-GB" sz="2800" spc="-75" dirty="0">
-                <a:latin typeface="Montserrat Light"/>
-              </a:rPr>
-              <a:t>Timetable - Tuesday</a:t>
-            </a:r>
-            <a:endParaRPr lang="en-GB" sz="2800" spc="-75" dirty="0">
-              <a:latin typeface="Montserrat"/>
-            </a:endParaRPr>
-          </a:p>
-        </p:txBody>
-      </p:sp>
-      <p:sp>
-        <p:nvSpPr>
-          <p:cNvPr id="4" name="Footer Placeholder 3">
-            <a:extLst>
-              <a:ext uri="{FF2B5EF4-FFF2-40B4-BE49-F238E27FC236}">
-                <a16:creationId xmlns:a16="http://schemas.microsoft.com/office/drawing/2014/main" id="{8F3824E5-9699-4B33-9D02-5717D5472D31}"/>
-              </a:ext>
-            </a:extLst>
-          </p:cNvPr>
-          <p:cNvSpPr>
-            <a:spLocks noGrp="1"/>
-          </p:cNvSpPr>
-          <p:nvPr>
-            <p:ph type="ftr" sz="quarter" idx="11"/>
-          </p:nvPr>
-        </p:nvSpPr>
-        <p:spPr/>
-        <p:txBody>
-          <a:bodyPr/>
-          <a:lstStyle/>
-          <a:p>
-            <a:r>
-              <a:rPr lang="en-GB" dirty="0"/>
-              <a:t>Introduction</a:t>
-            </a:r>
-          </a:p>
-        </p:txBody>
-      </p:sp>
-      <p:sp>
-        <p:nvSpPr>
-          <p:cNvPr id="5" name="Slide Number Placeholder 4">
-            <a:extLst>
-              <a:ext uri="{FF2B5EF4-FFF2-40B4-BE49-F238E27FC236}">
-                <a16:creationId xmlns:a16="http://schemas.microsoft.com/office/drawing/2014/main" id="{13157828-AA0E-4DAA-BC18-96D423FBB5F7}"/>
-              </a:ext>
-            </a:extLst>
-          </p:cNvPr>
-          <p:cNvSpPr>
-            <a:spLocks noGrp="1"/>
-          </p:cNvSpPr>
-          <p:nvPr>
-            <p:ph type="sldNum" sz="quarter" idx="12"/>
-          </p:nvPr>
-        </p:nvSpPr>
-        <p:spPr/>
-        <p:txBody>
-          <a:bodyPr/>
-          <a:lstStyle/>
-          <a:p>
-            <a:fld id="{BC3375C0-E832-4564-9B1D-553F653E3826}" type="slidenum">
-              <a:rPr lang="en-GB" smtClean="0"/>
-              <a:t>20</a:t>
-            </a:fld>
-            <a:endParaRPr lang="en-GB"/>
-          </a:p>
-        </p:txBody>
-      </p:sp>
     </p:spTree>
     <p:extLst>
       <p:ext uri="{BB962C8B-B14F-4D97-AF65-F5344CB8AC3E}">
@@ -17942,12 +17943,102 @@
           <a:chExt cx="0" cy="0"/>
         </a:xfrm>
       </p:grpSpPr>
+      <p:sp>
+        <p:nvSpPr>
+          <p:cNvPr id="2" name="Title 1">
+            <a:extLst>
+              <a:ext uri="{FF2B5EF4-FFF2-40B4-BE49-F238E27FC236}">
+                <a16:creationId xmlns:a16="http://schemas.microsoft.com/office/drawing/2014/main" id="{B491CE7B-F9F5-46CD-A445-545C61DE374A}"/>
+              </a:ext>
+            </a:extLst>
+          </p:cNvPr>
+          <p:cNvSpPr>
+            <a:spLocks noGrp="1"/>
+          </p:cNvSpPr>
+          <p:nvPr>
+            <p:ph type="title"/>
+          </p:nvPr>
+        </p:nvSpPr>
+        <p:spPr/>
+        <p:txBody>
+          <a:bodyPr/>
+          <a:lstStyle/>
+          <a:p>
+            <a:r>
+              <a:rPr lang="en-GB" sz="2800" spc="-75" dirty="0">
+                <a:latin typeface="Montserrat Light"/>
+              </a:rPr>
+              <a:t>Timetable - Wednesday</a:t>
+            </a:r>
+            <a:endParaRPr lang="en-GB" sz="2800" spc="-75" dirty="0">
+              <a:latin typeface="Montserrat"/>
+            </a:endParaRPr>
+          </a:p>
+        </p:txBody>
+      </p:sp>
+      <p:sp>
+        <p:nvSpPr>
+          <p:cNvPr id="4" name="Footer Placeholder 3">
+            <a:extLst>
+              <a:ext uri="{FF2B5EF4-FFF2-40B4-BE49-F238E27FC236}">
+                <a16:creationId xmlns:a16="http://schemas.microsoft.com/office/drawing/2014/main" id="{8F3824E5-9699-4B33-9D02-5717D5472D31}"/>
+              </a:ext>
+            </a:extLst>
+          </p:cNvPr>
+          <p:cNvSpPr>
+            <a:spLocks noGrp="1"/>
+          </p:cNvSpPr>
+          <p:nvPr>
+            <p:ph type="ftr" sz="quarter" idx="11"/>
+          </p:nvPr>
+        </p:nvSpPr>
+        <p:spPr/>
+        <p:txBody>
+          <a:bodyPr/>
+          <a:lstStyle/>
+          <a:p>
+            <a:r>
+              <a:rPr lang="en-GB" dirty="0"/>
+              <a:t>Introduction</a:t>
+            </a:r>
+          </a:p>
+        </p:txBody>
+      </p:sp>
+      <p:sp>
+        <p:nvSpPr>
+          <p:cNvPr id="5" name="Slide Number Placeholder 4">
+            <a:extLst>
+              <a:ext uri="{FF2B5EF4-FFF2-40B4-BE49-F238E27FC236}">
+                <a16:creationId xmlns:a16="http://schemas.microsoft.com/office/drawing/2014/main" id="{13157828-AA0E-4DAA-BC18-96D423FBB5F7}"/>
+              </a:ext>
+            </a:extLst>
+          </p:cNvPr>
+          <p:cNvSpPr>
+            <a:spLocks noGrp="1"/>
+          </p:cNvSpPr>
+          <p:nvPr>
+            <p:ph type="sldNum" sz="quarter" idx="12"/>
+          </p:nvPr>
+        </p:nvSpPr>
+        <p:spPr/>
+        <p:txBody>
+          <a:bodyPr/>
+          <a:lstStyle/>
+          <a:p>
+            <a:fld id="{BC3375C0-E832-4564-9B1D-553F653E3826}" type="slidenum">
+              <a:rPr lang="en-GB" smtClean="0"/>
+              <a:t>21</a:t>
+            </a:fld>
+            <a:endParaRPr lang="en-GB"/>
+          </a:p>
+        </p:txBody>
+      </p:sp>
       <p:pic>
         <p:nvPicPr>
-          <p:cNvPr id="9" name="Picture 8">
-            <a:extLst>
-              <a:ext uri="{FF2B5EF4-FFF2-40B4-BE49-F238E27FC236}">
-                <a16:creationId xmlns:a16="http://schemas.microsoft.com/office/drawing/2014/main" id="{3725DA1A-B9CC-4855-9AA6-BAA26810602F}"/>
+          <p:cNvPr id="3" name="Picture 2">
+            <a:extLst>
+              <a:ext uri="{FF2B5EF4-FFF2-40B4-BE49-F238E27FC236}">
+                <a16:creationId xmlns:a16="http://schemas.microsoft.com/office/drawing/2014/main" id="{908173D3-B6CA-5AB0-7FC9-44AF9683B824}"/>
               </a:ext>
             </a:extLst>
           </p:cNvPr>
@@ -17964,104 +18055,14 @@
         </p:blipFill>
         <p:spPr>
           <a:xfrm>
-            <a:off x="1180882" y="1817244"/>
-            <a:ext cx="9963053" cy="4577207"/>
+            <a:off x="855989" y="1692372"/>
+            <a:ext cx="9882033" cy="4415987"/>
           </a:xfrm>
           <a:prstGeom prst="rect">
             <a:avLst/>
           </a:prstGeom>
         </p:spPr>
       </p:pic>
-      <p:sp>
-        <p:nvSpPr>
-          <p:cNvPr id="2" name="Title 1">
-            <a:extLst>
-              <a:ext uri="{FF2B5EF4-FFF2-40B4-BE49-F238E27FC236}">
-                <a16:creationId xmlns:a16="http://schemas.microsoft.com/office/drawing/2014/main" id="{B491CE7B-F9F5-46CD-A445-545C61DE374A}"/>
-              </a:ext>
-            </a:extLst>
-          </p:cNvPr>
-          <p:cNvSpPr>
-            <a:spLocks noGrp="1"/>
-          </p:cNvSpPr>
-          <p:nvPr>
-            <p:ph type="title"/>
-          </p:nvPr>
-        </p:nvSpPr>
-        <p:spPr/>
-        <p:txBody>
-          <a:bodyPr/>
-          <a:lstStyle/>
-          <a:p>
-            <a:r>
-              <a:rPr lang="en-GB" sz="2800" spc="-75" dirty="0">
-                <a:latin typeface="Montserrat Light"/>
-              </a:rPr>
-              <a:t>Timetable - Wednesday</a:t>
-            </a:r>
-            <a:endParaRPr lang="en-GB" sz="2800" spc="-75" dirty="0">
-              <a:latin typeface="Montserrat"/>
-            </a:endParaRPr>
-          </a:p>
-        </p:txBody>
-      </p:sp>
-      <p:sp>
-        <p:nvSpPr>
-          <p:cNvPr id="4" name="Footer Placeholder 3">
-            <a:extLst>
-              <a:ext uri="{FF2B5EF4-FFF2-40B4-BE49-F238E27FC236}">
-                <a16:creationId xmlns:a16="http://schemas.microsoft.com/office/drawing/2014/main" id="{8F3824E5-9699-4B33-9D02-5717D5472D31}"/>
-              </a:ext>
-            </a:extLst>
-          </p:cNvPr>
-          <p:cNvSpPr>
-            <a:spLocks noGrp="1"/>
-          </p:cNvSpPr>
-          <p:nvPr>
-            <p:ph type="ftr" sz="quarter" idx="11"/>
-          </p:nvPr>
-        </p:nvSpPr>
-        <p:spPr/>
-        <p:txBody>
-          <a:bodyPr/>
-          <a:lstStyle/>
-          <a:p>
-            <a:r>
-              <a:rPr lang="en-GB" dirty="0"/>
-              <a:t>Introduction</a:t>
-            </a:r>
-          </a:p>
-        </p:txBody>
-      </p:sp>
-      <p:sp>
-        <p:nvSpPr>
-          <p:cNvPr id="5" name="Slide Number Placeholder 4">
-            <a:extLst>
-              <a:ext uri="{FF2B5EF4-FFF2-40B4-BE49-F238E27FC236}">
-                <a16:creationId xmlns:a16="http://schemas.microsoft.com/office/drawing/2014/main" id="{13157828-AA0E-4DAA-BC18-96D423FBB5F7}"/>
-              </a:ext>
-            </a:extLst>
-          </p:cNvPr>
-          <p:cNvSpPr>
-            <a:spLocks noGrp="1"/>
-          </p:cNvSpPr>
-          <p:nvPr>
-            <p:ph type="sldNum" sz="quarter" idx="12"/>
-          </p:nvPr>
-        </p:nvSpPr>
-        <p:spPr/>
-        <p:txBody>
-          <a:bodyPr/>
-          <a:lstStyle/>
-          <a:p>
-            <a:fld id="{BC3375C0-E832-4564-9B1D-553F653E3826}" type="slidenum">
-              <a:rPr lang="en-GB" smtClean="0"/>
-              <a:t>21</a:t>
-            </a:fld>
-            <a:endParaRPr lang="en-GB"/>
-          </a:p>
-        </p:txBody>
-      </p:sp>
     </p:spTree>
     <p:extLst>
       <p:ext uri="{BB962C8B-B14F-4D97-AF65-F5344CB8AC3E}">
@@ -18100,12 +18101,102 @@
           <a:chExt cx="0" cy="0"/>
         </a:xfrm>
       </p:grpSpPr>
+      <p:sp>
+        <p:nvSpPr>
+          <p:cNvPr id="2" name="Title 1">
+            <a:extLst>
+              <a:ext uri="{FF2B5EF4-FFF2-40B4-BE49-F238E27FC236}">
+                <a16:creationId xmlns:a16="http://schemas.microsoft.com/office/drawing/2014/main" id="{B491CE7B-F9F5-46CD-A445-545C61DE374A}"/>
+              </a:ext>
+            </a:extLst>
+          </p:cNvPr>
+          <p:cNvSpPr>
+            <a:spLocks noGrp="1"/>
+          </p:cNvSpPr>
+          <p:nvPr>
+            <p:ph type="title"/>
+          </p:nvPr>
+        </p:nvSpPr>
+        <p:spPr/>
+        <p:txBody>
+          <a:bodyPr/>
+          <a:lstStyle/>
+          <a:p>
+            <a:r>
+              <a:rPr lang="en-GB" sz="2800" spc="-75" dirty="0">
+                <a:latin typeface="Montserrat Light"/>
+              </a:rPr>
+              <a:t>Timetable - Thursday</a:t>
+            </a:r>
+            <a:endParaRPr lang="en-GB" sz="2800" spc="-75" dirty="0">
+              <a:latin typeface="Montserrat"/>
+            </a:endParaRPr>
+          </a:p>
+        </p:txBody>
+      </p:sp>
+      <p:sp>
+        <p:nvSpPr>
+          <p:cNvPr id="4" name="Footer Placeholder 3">
+            <a:extLst>
+              <a:ext uri="{FF2B5EF4-FFF2-40B4-BE49-F238E27FC236}">
+                <a16:creationId xmlns:a16="http://schemas.microsoft.com/office/drawing/2014/main" id="{8F3824E5-9699-4B33-9D02-5717D5472D31}"/>
+              </a:ext>
+            </a:extLst>
+          </p:cNvPr>
+          <p:cNvSpPr>
+            <a:spLocks noGrp="1"/>
+          </p:cNvSpPr>
+          <p:nvPr>
+            <p:ph type="ftr" sz="quarter" idx="11"/>
+          </p:nvPr>
+        </p:nvSpPr>
+        <p:spPr/>
+        <p:txBody>
+          <a:bodyPr/>
+          <a:lstStyle/>
+          <a:p>
+            <a:r>
+              <a:rPr lang="en-GB" dirty="0"/>
+              <a:t>Introduction</a:t>
+            </a:r>
+          </a:p>
+        </p:txBody>
+      </p:sp>
+      <p:sp>
+        <p:nvSpPr>
+          <p:cNvPr id="5" name="Slide Number Placeholder 4">
+            <a:extLst>
+              <a:ext uri="{FF2B5EF4-FFF2-40B4-BE49-F238E27FC236}">
+                <a16:creationId xmlns:a16="http://schemas.microsoft.com/office/drawing/2014/main" id="{13157828-AA0E-4DAA-BC18-96D423FBB5F7}"/>
+              </a:ext>
+            </a:extLst>
+          </p:cNvPr>
+          <p:cNvSpPr>
+            <a:spLocks noGrp="1"/>
+          </p:cNvSpPr>
+          <p:nvPr>
+            <p:ph type="sldNum" sz="quarter" idx="12"/>
+          </p:nvPr>
+        </p:nvSpPr>
+        <p:spPr/>
+        <p:txBody>
+          <a:bodyPr/>
+          <a:lstStyle/>
+          <a:p>
+            <a:fld id="{BC3375C0-E832-4564-9B1D-553F653E3826}" type="slidenum">
+              <a:rPr lang="en-GB" smtClean="0"/>
+              <a:t>22</a:t>
+            </a:fld>
+            <a:endParaRPr lang="en-GB"/>
+          </a:p>
+        </p:txBody>
+      </p:sp>
       <p:pic>
         <p:nvPicPr>
-          <p:cNvPr id="6" name="Picture 5">
-            <a:extLst>
-              <a:ext uri="{FF2B5EF4-FFF2-40B4-BE49-F238E27FC236}">
-                <a16:creationId xmlns:a16="http://schemas.microsoft.com/office/drawing/2014/main" id="{A43CA860-0AD0-4E65-9D45-A578AAF155AE}"/>
+          <p:cNvPr id="3" name="Picture 2">
+            <a:extLst>
+              <a:ext uri="{FF2B5EF4-FFF2-40B4-BE49-F238E27FC236}">
+                <a16:creationId xmlns:a16="http://schemas.microsoft.com/office/drawing/2014/main" id="{BA45868A-C563-3267-9129-225085164095}"/>
               </a:ext>
             </a:extLst>
           </p:cNvPr>
@@ -18122,104 +18213,14 @@
         </p:blipFill>
         <p:spPr>
           <a:xfrm>
-            <a:off x="1180882" y="1817244"/>
-            <a:ext cx="9978310" cy="4577207"/>
+            <a:off x="1086243" y="1710384"/>
+            <a:ext cx="9448499" cy="4208501"/>
           </a:xfrm>
           <a:prstGeom prst="rect">
             <a:avLst/>
           </a:prstGeom>
         </p:spPr>
       </p:pic>
-      <p:sp>
-        <p:nvSpPr>
-          <p:cNvPr id="2" name="Title 1">
-            <a:extLst>
-              <a:ext uri="{FF2B5EF4-FFF2-40B4-BE49-F238E27FC236}">
-                <a16:creationId xmlns:a16="http://schemas.microsoft.com/office/drawing/2014/main" id="{B491CE7B-F9F5-46CD-A445-545C61DE374A}"/>
-              </a:ext>
-            </a:extLst>
-          </p:cNvPr>
-          <p:cNvSpPr>
-            <a:spLocks noGrp="1"/>
-          </p:cNvSpPr>
-          <p:nvPr>
-            <p:ph type="title"/>
-          </p:nvPr>
-        </p:nvSpPr>
-        <p:spPr/>
-        <p:txBody>
-          <a:bodyPr/>
-          <a:lstStyle/>
-          <a:p>
-            <a:r>
-              <a:rPr lang="en-GB" sz="2800" spc="-75" dirty="0">
-                <a:latin typeface="Montserrat Light"/>
-              </a:rPr>
-              <a:t>Timetable - Thursday</a:t>
-            </a:r>
-            <a:endParaRPr lang="en-GB" sz="2800" spc="-75" dirty="0">
-              <a:latin typeface="Montserrat"/>
-            </a:endParaRPr>
-          </a:p>
-        </p:txBody>
-      </p:sp>
-      <p:sp>
-        <p:nvSpPr>
-          <p:cNvPr id="4" name="Footer Placeholder 3">
-            <a:extLst>
-              <a:ext uri="{FF2B5EF4-FFF2-40B4-BE49-F238E27FC236}">
-                <a16:creationId xmlns:a16="http://schemas.microsoft.com/office/drawing/2014/main" id="{8F3824E5-9699-4B33-9D02-5717D5472D31}"/>
-              </a:ext>
-            </a:extLst>
-          </p:cNvPr>
-          <p:cNvSpPr>
-            <a:spLocks noGrp="1"/>
-          </p:cNvSpPr>
-          <p:nvPr>
-            <p:ph type="ftr" sz="quarter" idx="11"/>
-          </p:nvPr>
-        </p:nvSpPr>
-        <p:spPr/>
-        <p:txBody>
-          <a:bodyPr/>
-          <a:lstStyle/>
-          <a:p>
-            <a:r>
-              <a:rPr lang="en-GB" dirty="0"/>
-              <a:t>Introduction</a:t>
-            </a:r>
-          </a:p>
-        </p:txBody>
-      </p:sp>
-      <p:sp>
-        <p:nvSpPr>
-          <p:cNvPr id="5" name="Slide Number Placeholder 4">
-            <a:extLst>
-              <a:ext uri="{FF2B5EF4-FFF2-40B4-BE49-F238E27FC236}">
-                <a16:creationId xmlns:a16="http://schemas.microsoft.com/office/drawing/2014/main" id="{13157828-AA0E-4DAA-BC18-96D423FBB5F7}"/>
-              </a:ext>
-            </a:extLst>
-          </p:cNvPr>
-          <p:cNvSpPr>
-            <a:spLocks noGrp="1"/>
-          </p:cNvSpPr>
-          <p:nvPr>
-            <p:ph type="sldNum" sz="quarter" idx="12"/>
-          </p:nvPr>
-        </p:nvSpPr>
-        <p:spPr/>
-        <p:txBody>
-          <a:bodyPr/>
-          <a:lstStyle/>
-          <a:p>
-            <a:fld id="{BC3375C0-E832-4564-9B1D-553F653E3826}" type="slidenum">
-              <a:rPr lang="en-GB" smtClean="0"/>
-              <a:t>22</a:t>
-            </a:fld>
-            <a:endParaRPr lang="en-GB"/>
-          </a:p>
-        </p:txBody>
-      </p:sp>
     </p:spTree>
     <p:extLst>
       <p:ext uri="{BB962C8B-B14F-4D97-AF65-F5344CB8AC3E}">
@@ -18350,10 +18351,10 @@
       </p:sp>
       <p:pic>
         <p:nvPicPr>
-          <p:cNvPr id="6" name="Picture 5">
-            <a:extLst>
-              <a:ext uri="{FF2B5EF4-FFF2-40B4-BE49-F238E27FC236}">
-                <a16:creationId xmlns:a16="http://schemas.microsoft.com/office/drawing/2014/main" id="{ED387151-A89D-483B-9844-F99955D19E6F}"/>
+          <p:cNvPr id="3" name="Picture 2">
+            <a:extLst>
+              <a:ext uri="{FF2B5EF4-FFF2-40B4-BE49-F238E27FC236}">
+                <a16:creationId xmlns:a16="http://schemas.microsoft.com/office/drawing/2014/main" id="{F5674C64-C3B8-20E4-731F-DC3A16CF2007}"/>
               </a:ext>
             </a:extLst>
           </p:cNvPr>
@@ -18370,8 +18371,8 @@
         </p:blipFill>
         <p:spPr>
           <a:xfrm>
-            <a:off x="1180882" y="1817244"/>
-            <a:ext cx="8049994" cy="4577207"/>
+            <a:off x="2209800" y="1702918"/>
+            <a:ext cx="7772400" cy="4354348"/>
           </a:xfrm>
           <a:prstGeom prst="rect">
             <a:avLst/>
@@ -18441,7 +18442,7 @@
           <a:p>
             <a:r>
               <a:rPr lang="en-GB" dirty="0"/>
-              <a:t>Cameron McCormack</a:t>
+              <a:t>Carly Gilson</a:t>
             </a:r>
             <a:endParaRPr lang="en-US" dirty="0"/>
           </a:p>
@@ -18483,9 +18484,10 @@
           <a:lstStyle/>
           <a:p>
             <a:r>
-              <a:rPr lang="en-GB"/>
-              <a:t>cameron.mccormack@softwire.com</a:t>
-            </a:r>
+              <a:rPr lang="en-GB" dirty="0" err="1"/>
+              <a:t>carly.gilson@softwire.com</a:t>
+            </a:r>
+            <a:endParaRPr lang="en-GB" dirty="0"/>
           </a:p>
         </p:txBody>
       </p:sp>
@@ -18516,24 +18518,24 @@
           <a:lstStyle/>
           <a:p>
             <a:r>
-              <a:rPr lang="en-GB"/>
-              <a:t>Suite 110, Highgate Studios</a:t>
-            </a:r>
-          </a:p>
-          <a:p>
-            <a:r>
-              <a:rPr lang="en-GB"/>
+              <a:rPr lang="en-GB" dirty="0"/>
+              <a:t>Suite 315, Highgate Studios</a:t>
+            </a:r>
+          </a:p>
+          <a:p>
+            <a:r>
+              <a:rPr lang="en-GB" dirty="0"/>
               <a:t>53-79 Highgate Road</a:t>
             </a:r>
           </a:p>
           <a:p>
             <a:r>
-              <a:rPr lang="en-GB"/>
+              <a:rPr lang="en-GB" dirty="0"/>
               <a:t>London NW5 1TL</a:t>
             </a:r>
           </a:p>
           <a:p>
-            <a:endParaRPr lang="en-GB"/>
+            <a:endParaRPr lang="en-GB" dirty="0"/>
           </a:p>
         </p:txBody>
       </p:sp>
@@ -19126,7 +19128,7 @@
             </a:pPr>
             <a:r>
               <a:rPr lang="en-GB" dirty="0"/>
-              <a:t>My name is Cameron, and I’m a Software Developer at Softwire.</a:t>
+              <a:t>My name is Carly, and I’m a Software Developer at Softwire.</a:t>
             </a:r>
           </a:p>
           <a:p>
@@ -19134,7 +19136,10 @@
               <a:buFont typeface="Arial" panose="020B0604020202020204" pitchFamily="34" charset="0"/>
               <a:buChar char="•"/>
             </a:pPr>
-            <a:endParaRPr lang="en-GB" dirty="0"/>
+            <a:r>
+              <a:rPr lang="en-GB" dirty="0"/>
+              <a:t>I’ll be running your work experience program this week, and will be the main person you interact with.</a:t>
+            </a:r>
           </a:p>
           <a:p>
             <a:pPr marL="285750" indent="-285750">
@@ -19143,7 +19148,7 @@
             </a:pPr>
             <a:r>
               <a:rPr lang="en-GB" dirty="0"/>
-              <a:t>I’ll be running your work experience program this week, and will be the main person you interact with.</a:t>
+              <a:t>I studied Maths at university for 4 years. After my second year I did an internship at Softwire, and joined after I graduated. I’ve been working at Softwire for just over a year.</a:t>
             </a:r>
           </a:p>
           <a:p>
@@ -19151,7 +19156,24 @@
               <a:buFont typeface="Arial" panose="020B0604020202020204" pitchFamily="34" charset="0"/>
               <a:buChar char="•"/>
             </a:pPr>
-            <a:endParaRPr lang="en-GB" dirty="0"/>
+            <a:r>
+              <a:rPr lang="en-GB" dirty="0"/>
+              <a:t>Since being at Softwire, I’ve worked on:</a:t>
+            </a:r>
+          </a:p>
+          <a:p>
+            <a:pPr marL="819150" lvl="2" indent="-285750"/>
+            <a:r>
+              <a:rPr lang="en-GB" dirty="0"/>
+              <a:t>Creating an analytics dashboard and working on a new booking system for a charter aircraft company</a:t>
+            </a:r>
+          </a:p>
+          <a:p>
+            <a:pPr marL="819150" lvl="2" indent="-285750"/>
+            <a:r>
+              <a:rPr lang="en-GB" dirty="0"/>
+              <a:t>The website for for displaying results for the World Cup for the BBC</a:t>
+            </a:r>
           </a:p>
           <a:p>
             <a:pPr marL="285750" indent="-285750">
@@ -19160,139 +19182,19 @@
             </a:pPr>
             <a:r>
               <a:rPr lang="en-GB" dirty="0"/>
-              <a:t>I studied Chemical Engineering at university and worked as a chemical engineer for a while, before switching to being a Software Developer full-time. I’ve been at Softwire for just over 18 months.</a:t>
-            </a:r>
-          </a:p>
-          <a:p>
-            <a:pPr marL="285750" indent="-285750">
-              <a:buFont typeface="Arial" panose="020B0604020202020204" pitchFamily="34" charset="0"/>
-              <a:buChar char="•"/>
-            </a:pPr>
-            <a:endParaRPr lang="en-GB" dirty="0"/>
-          </a:p>
-          <a:p>
-            <a:pPr marL="285750" indent="-285750">
-              <a:buFont typeface="Arial" panose="020B0604020202020204" pitchFamily="34" charset="0"/>
-              <a:buChar char="•"/>
-            </a:pPr>
+              <a:t>Outside of work, I love keeping active and enjoy lots of sports – at </a:t>
+            </a:r>
+            <a:r>
+              <a:rPr lang="en-GB" dirty="0" err="1"/>
+              <a:t>uni</a:t>
+            </a:r>
             <a:r>
               <a:rPr lang="en-GB" dirty="0"/>
-              <a:t>Since being at Softwire, I’ve worked on:</a:t>
-            </a:r>
-          </a:p>
-          <a:p>
-            <a:pPr marL="819150" lvl="2" indent="-285750"/>
-            <a:r>
-              <a:rPr lang="en-GB" dirty="0"/>
-              <a:t>The mobile apps and backend services for LNER</a:t>
-            </a:r>
-          </a:p>
-          <a:p>
-            <a:pPr marL="819150" lvl="2" indent="-285750"/>
-            <a:r>
-              <a:rPr lang="en-GB" dirty="0"/>
-              <a:t>The website for RSA/Motability</a:t>
-            </a:r>
-          </a:p>
-          <a:p>
-            <a:pPr marL="819150" lvl="2" indent="-285750"/>
-            <a:endParaRPr lang="en-GB" dirty="0"/>
-          </a:p>
-          <a:p>
-            <a:pPr marL="285750" indent="-285750">
-              <a:buFont typeface="Arial" panose="020B0604020202020204" pitchFamily="34" charset="0"/>
-              <a:buChar char="•"/>
-            </a:pPr>
-            <a:r>
-              <a:rPr lang="en-GB" dirty="0"/>
-              <a:t>Outside of work, I love playing music and have been playing the saxophone for 17 years!</a:t>
-            </a:r>
-          </a:p>
-        </p:txBody>
-      </p:sp>
-      <p:pic>
-        <p:nvPicPr>
-          <p:cNvPr id="1026" name="Picture 2" descr="LNER announces new Azuma trains will enter service in May">
-            <a:extLst>
-              <a:ext uri="{FF2B5EF4-FFF2-40B4-BE49-F238E27FC236}">
-                <a16:creationId xmlns:a16="http://schemas.microsoft.com/office/drawing/2014/main" id="{49DFF345-35E2-49C7-ADBB-27C0B43FC3A8}"/>
-              </a:ext>
-            </a:extLst>
-          </p:cNvPr>
-          <p:cNvPicPr>
-            <a:picLocks noChangeAspect="1" noChangeArrowheads="1"/>
-          </p:cNvPicPr>
-          <p:nvPr/>
-        </p:nvPicPr>
-        <p:blipFill>
-          <a:blip r:embed="rId3">
-            <a:extLst>
-              <a:ext uri="{28A0092B-C50C-407E-A947-70E740481C1C}">
-                <a14:useLocalDpi xmlns:a14="http://schemas.microsoft.com/office/drawing/2010/main" val="0"/>
-              </a:ext>
-            </a:extLst>
-          </a:blip>
-          <a:srcRect/>
-          <a:stretch>
-            <a:fillRect/>
-          </a:stretch>
-        </p:blipFill>
-        <p:spPr bwMode="auto">
-          <a:xfrm>
-            <a:off x="6467062" y="4338285"/>
-            <a:ext cx="2387010" cy="1432206"/>
-          </a:xfrm>
-          <a:prstGeom prst="rect">
-            <a:avLst/>
-          </a:prstGeom>
-          <a:noFill/>
-          <a:extLst>
-            <a:ext uri="{909E8E84-426E-40DD-AFC4-6F175D3DCCD1}">
-              <a14:hiddenFill xmlns:a14="http://schemas.microsoft.com/office/drawing/2010/main">
-                <a:solidFill>
-                  <a:srgbClr val="FFFFFF"/>
-                </a:solidFill>
-              </a14:hiddenFill>
-            </a:ext>
-          </a:extLst>
-        </p:spPr>
-      </p:pic>
-      <p:pic>
-        <p:nvPicPr>
-          <p:cNvPr id="7" name="Picture 6" descr="A person sitting in a wheelchair&#10;&#10;Description automatically generated with low confidence">
-            <a:extLst>
-              <a:ext uri="{FF2B5EF4-FFF2-40B4-BE49-F238E27FC236}">
-                <a16:creationId xmlns:a16="http://schemas.microsoft.com/office/drawing/2014/main" id="{B00C1904-4F0F-41FF-AAE8-809005BA4439}"/>
-              </a:ext>
-            </a:extLst>
-          </p:cNvPr>
-          <p:cNvPicPr>
-            <a:picLocks noChangeAspect="1"/>
-          </p:cNvPicPr>
-          <p:nvPr/>
-        </p:nvPicPr>
-        <p:blipFill>
-          <a:blip r:embed="rId4">
-            <a:extLst>
-              <a:ext uri="{28A0092B-C50C-407E-A947-70E740481C1C}">
-                <a14:useLocalDpi xmlns:a14="http://schemas.microsoft.com/office/drawing/2010/main" val="0"/>
-              </a:ext>
-            </a:extLst>
-          </a:blip>
-          <a:stretch>
-            <a:fillRect/>
-          </a:stretch>
-        </p:blipFill>
-        <p:spPr>
-          <a:xfrm>
-            <a:off x="8854072" y="4338285"/>
-            <a:ext cx="2157046" cy="1438031"/>
-          </a:xfrm>
-          <a:prstGeom prst="rect">
-            <a:avLst/>
-          </a:prstGeom>
-        </p:spPr>
-      </p:pic>
+              <a:t> I took part in rowing, and at the moment I’m enjoying swimming and trying to get better at running!</a:t>
+            </a:r>
+          </a:p>
+        </p:txBody>
+      </p:sp>
     </p:spTree>
     <p:extLst>
       <p:ext uri="{BB962C8B-B14F-4D97-AF65-F5344CB8AC3E}">
@@ -20063,7 +19965,7 @@
           <a:p>
             <a:r>
               <a:rPr lang="en-GB" sz="1800" dirty="0"/>
-              <a:t>We will need the following software during the week. Did you get it all installed OK?:</a:t>
+              <a:t>You should all have laptops with the following installed:</a:t>
             </a:r>
           </a:p>
           <a:p>
@@ -20073,7 +19975,7 @@
             </a:pPr>
             <a:r>
               <a:rPr lang="en-GB" sz="1800" dirty="0"/>
-              <a:t>Microsoft Teams (hopefully yes, as we’re in a Teams call!)</a:t>
+              <a:t>VS Code</a:t>
             </a:r>
           </a:p>
           <a:p>
@@ -20083,7 +19985,7 @@
             </a:pPr>
             <a:r>
               <a:rPr lang="en-GB" sz="1800" dirty="0"/>
-              <a:t>VS Code + Live Share Extension</a:t>
+              <a:t>Node.js</a:t>
             </a:r>
           </a:p>
           <a:p>
@@ -20093,7 +19995,16 @@
             </a:pPr>
             <a:r>
               <a:rPr lang="en-GB" sz="1800" dirty="0"/>
-              <a:t>Node.js</a:t>
+              <a:t>Git</a:t>
+            </a:r>
+          </a:p>
+          <a:p>
+            <a:endParaRPr lang="en-GB" sz="1800" dirty="0"/>
+          </a:p>
+          <a:p>
+            <a:r>
+              <a:rPr lang="en-GB" sz="1800" dirty="0"/>
+              <a:t>You will also need:</a:t>
             </a:r>
           </a:p>
           <a:p>
@@ -20103,7 +20014,7 @@
             </a:pPr>
             <a:r>
               <a:rPr lang="en-GB" sz="1800" dirty="0"/>
-              <a:t>Git</a:t>
+              <a:t>A GitHub account</a:t>
             </a:r>
           </a:p>
           <a:p>
@@ -20112,7 +20023,7 @@
           <a:p>
             <a:r>
               <a:rPr lang="en-GB" sz="1800" dirty="0"/>
-              <a:t>You will also need:</a:t>
+              <a:t>You may also want:</a:t>
             </a:r>
           </a:p>
           <a:p>
@@ -20122,26 +20033,7 @@
             </a:pPr>
             <a:r>
               <a:rPr lang="en-GB" sz="1800" dirty="0"/>
-              <a:t>A GitHub account</a:t>
-            </a:r>
-          </a:p>
-          <a:p>
-            <a:endParaRPr lang="en-GB" sz="1800" dirty="0"/>
-          </a:p>
-          <a:p>
-            <a:r>
-              <a:rPr lang="en-GB" sz="1800" dirty="0"/>
-              <a:t>You may also want:</a:t>
-            </a:r>
-          </a:p>
-          <a:p>
-            <a:pPr marL="285750" indent="-285750">
-              <a:buFont typeface="Arial" panose="020B0604020202020204" pitchFamily="34" charset="0"/>
-              <a:buChar char="•"/>
-            </a:pPr>
-            <a:r>
-              <a:rPr lang="en-GB" sz="1800" dirty="0"/>
-              <a:t>Postman</a:t>
+              <a:t>Postman – we can leave this for later in the week though!</a:t>
             </a:r>
           </a:p>
         </p:txBody>
@@ -21599,18 +21491,18 @@
 </file>
 
 <file path=customXml/item1.xml><?xml version="1.0" encoding="utf-8"?>
+<p:properties xmlns:p="http://schemas.microsoft.com/office/2006/metadata/properties" xmlns:xsi="http://www.w3.org/2001/XMLSchema-instance" xmlns:pc="http://schemas.microsoft.com/office/infopath/2007/PartnerControls">
+  <documentManagement/>
+</p:properties>
+</file>
+
+<file path=customXml/item2.xml><?xml version="1.0" encoding="utf-8"?>
 <?mso-contentType ?>
 <FormTemplates xmlns="http://schemas.microsoft.com/sharepoint/v3/contenttype/forms">
   <Display>DocumentLibraryForm</Display>
   <Edit>DocumentLibraryForm</Edit>
   <New>DocumentLibraryForm</New>
 </FormTemplates>
-</file>
-
-<file path=customXml/item2.xml><?xml version="1.0" encoding="utf-8"?>
-<p:properties xmlns:p="http://schemas.microsoft.com/office/2006/metadata/properties" xmlns:xsi="http://www.w3.org/2001/XMLSchema-instance" xmlns:pc="http://schemas.microsoft.com/office/infopath/2007/PartnerControls">
-  <documentManagement/>
-</p:properties>
 </file>
 
 <file path=customXml/item3.xml><?xml version="1.0" encoding="utf-8"?>
@@ -21831,14 +21723,6 @@
 </file>
 
 <file path=customXml/itemProps1.xml><?xml version="1.0" encoding="utf-8"?>
-<ds:datastoreItem xmlns:ds="http://schemas.openxmlformats.org/officeDocument/2006/customXml" ds:itemID="{CE1CAEE4-FACD-4E29-9FA2-1415ACCF9B2B}">
-  <ds:schemaRefs>
-    <ds:schemaRef ds:uri="http://schemas.microsoft.com/sharepoint/v3/contenttype/forms"/>
-  </ds:schemaRefs>
-</ds:datastoreItem>
-</file>
-
-<file path=customXml/itemProps2.xml><?xml version="1.0" encoding="utf-8"?>
 <ds:datastoreItem xmlns:ds="http://schemas.openxmlformats.org/officeDocument/2006/customXml" ds:itemID="{7C3E776E-B10B-4ADA-92E8-25AFDF00BE65}">
   <ds:schemaRefs>
     <ds:schemaRef ds:uri="16822fe8-4949-411e-b509-0583e0da6ec6"/>
@@ -21851,6 +21735,14 @@
     <ds:schemaRef ds:uri="http://schemas.microsoft.com/office/infopath/2007/PartnerControls"/>
     <ds:schemaRef ds:uri="http://schemas.openxmlformats.org/package/2006/metadata/core-properties"/>
     <ds:schemaRef ds:uri="http://www.w3.org/XML/1998/namespace"/>
+  </ds:schemaRefs>
+</ds:datastoreItem>
+</file>
+
+<file path=customXml/itemProps2.xml><?xml version="1.0" encoding="utf-8"?>
+<ds:datastoreItem xmlns:ds="http://schemas.openxmlformats.org/officeDocument/2006/customXml" ds:itemID="{CE1CAEE4-FACD-4E29-9FA2-1415ACCF9B2B}">
+  <ds:schemaRefs>
+    <ds:schemaRef ds:uri="http://schemas.microsoft.com/sharepoint/v3/contenttype/forms"/>
   </ds:schemaRefs>
 </ds:datastoreItem>
 </file>
